--- a/Project 2 presentation .pptx
+++ b/Project 2 presentation .pptx
@@ -7,17 +7,30 @@
   <p:sldIdLst>
     <p:sldId id="269" r:id="rId2"/>
     <p:sldId id="258" r:id="rId3"/>
-    <p:sldId id="257" r:id="rId4"/>
-    <p:sldId id="259" r:id="rId5"/>
-    <p:sldId id="260" r:id="rId6"/>
-    <p:sldId id="270" r:id="rId7"/>
-    <p:sldId id="271" r:id="rId8"/>
-    <p:sldId id="263" r:id="rId9"/>
-    <p:sldId id="264" r:id="rId10"/>
-    <p:sldId id="265" r:id="rId11"/>
-    <p:sldId id="266" r:id="rId12"/>
-    <p:sldId id="267" r:id="rId13"/>
-    <p:sldId id="268" r:id="rId14"/>
+    <p:sldId id="265" r:id="rId4"/>
+    <p:sldId id="267" r:id="rId5"/>
+    <p:sldId id="257" r:id="rId6"/>
+    <p:sldId id="274" r:id="rId7"/>
+    <p:sldId id="277" r:id="rId8"/>
+    <p:sldId id="275" r:id="rId9"/>
+    <p:sldId id="278" r:id="rId10"/>
+    <p:sldId id="279" r:id="rId11"/>
+    <p:sldId id="280" r:id="rId12"/>
+    <p:sldId id="281" r:id="rId13"/>
+    <p:sldId id="282" r:id="rId14"/>
+    <p:sldId id="283" r:id="rId15"/>
+    <p:sldId id="284" r:id="rId16"/>
+    <p:sldId id="285" r:id="rId17"/>
+    <p:sldId id="286" r:id="rId18"/>
+    <p:sldId id="271" r:id="rId19"/>
+    <p:sldId id="259" r:id="rId20"/>
+    <p:sldId id="260" r:id="rId21"/>
+    <p:sldId id="270" r:id="rId22"/>
+    <p:sldId id="263" r:id="rId23"/>
+    <p:sldId id="264" r:id="rId24"/>
+    <p:sldId id="266" r:id="rId25"/>
+    <p:sldId id="273" r:id="rId26"/>
+    <p:sldId id="268" r:id="rId27"/>
   </p:sldIdLst>
   <p:sldSz cx="12192000" cy="6858000"/>
   <p:notesSz cx="6858000" cy="9144000"/>
@@ -3772,7 +3785,7 @@
     </p:spTree>
     <p:extLst>
       <p:ext uri="{BB962C8B-B14F-4D97-AF65-F5344CB8AC3E}">
-        <p14:creationId xmlns:p14="http://schemas.microsoft.com/office/powerpoint/2010/main" val="2781386941"/>
+        <p14:creationId xmlns:p14="http://schemas.microsoft.com/office/powerpoint/2010/main" val="2789525589"/>
       </p:ext>
     </p:extLst>
   </p:cSld>
@@ -3905,7 +3918,7 @@
     </p:spTree>
     <p:extLst>
       <p:ext uri="{BB962C8B-B14F-4D97-AF65-F5344CB8AC3E}">
-        <p14:creationId xmlns:p14="http://schemas.microsoft.com/office/powerpoint/2010/main" val="2622772270"/>
+        <p14:creationId xmlns:p14="http://schemas.microsoft.com/office/powerpoint/2010/main" val="3962895490"/>
       </p:ext>
     </p:extLst>
   </p:cSld>
@@ -4038,7 +4051,7 @@
     </p:spTree>
     <p:extLst>
       <p:ext uri="{BB962C8B-B14F-4D97-AF65-F5344CB8AC3E}">
-        <p14:creationId xmlns:p14="http://schemas.microsoft.com/office/powerpoint/2010/main" val="1869864679"/>
+        <p14:creationId xmlns:p14="http://schemas.microsoft.com/office/powerpoint/2010/main" val="1505345849"/>
       </p:ext>
     </p:extLst>
   </p:cSld>
@@ -4171,7 +4184,1024 @@
     </p:spTree>
     <p:extLst>
       <p:ext uri="{BB962C8B-B14F-4D97-AF65-F5344CB8AC3E}">
-        <p14:creationId xmlns:p14="http://schemas.microsoft.com/office/powerpoint/2010/main" val="755010265"/>
+        <p14:creationId xmlns:p14="http://schemas.microsoft.com/office/powerpoint/2010/main" val="3733630338"/>
+      </p:ext>
+    </p:extLst>
+  </p:cSld>
+  <p:clrMapOvr>
+    <a:masterClrMapping/>
+  </p:clrMapOvr>
+</p:sld>
+</file>
+
+<file path=ppt/slides/slide14.xml><?xml version="1.0" encoding="utf-8"?>
+<p:sld xmlns:a="http://schemas.openxmlformats.org/drawingml/2006/main" xmlns:r="http://schemas.openxmlformats.org/officeDocument/2006/relationships" xmlns:p="http://schemas.openxmlformats.org/presentationml/2006/main">
+  <p:cSld>
+    <p:spTree>
+      <p:nvGrpSpPr>
+        <p:cNvPr id="1" name=""/>
+        <p:cNvGrpSpPr/>
+        <p:nvPr/>
+      </p:nvGrpSpPr>
+      <p:grpSpPr>
+        <a:xfrm>
+          <a:off x="0" y="0"/>
+          <a:ext cx="0" cy="0"/>
+          <a:chOff x="0" y="0"/>
+          <a:chExt cx="0" cy="0"/>
+        </a:xfrm>
+      </p:grpSpPr>
+      <p:pic>
+        <p:nvPicPr>
+          <p:cNvPr id="4" name="Picture 3" descr="Vector background of vibrant colors splashing">
+            <a:extLst>
+              <a:ext uri="{FF2B5EF4-FFF2-40B4-BE49-F238E27FC236}">
+                <a16:creationId xmlns:a16="http://schemas.microsoft.com/office/drawing/2014/main" id="{FCDEC43F-7752-C904-A16C-95DBC306F1B9}"/>
+              </a:ext>
+            </a:extLst>
+          </p:cNvPr>
+          <p:cNvPicPr>
+            <a:picLocks noChangeAspect="1"/>
+          </p:cNvPicPr>
+          <p:nvPr/>
+        </p:nvPicPr>
+        <p:blipFill rotWithShape="1">
+          <a:blip r:embed="rId2">
+            <a:alphaModFix amt="20000"/>
+          </a:blip>
+          <a:srcRect t="17259" r="-1" b="-1"/>
+          <a:stretch/>
+        </p:blipFill>
+        <p:spPr>
+          <a:xfrm>
+            <a:off x="-2" y="10"/>
+            <a:ext cx="12188952" cy="6857990"/>
+          </a:xfrm>
+          <a:prstGeom prst="rect">
+            <a:avLst/>
+          </a:prstGeom>
+        </p:spPr>
+      </p:pic>
+      <p:sp>
+        <p:nvSpPr>
+          <p:cNvPr id="2" name="Title 1">
+            <a:extLst>
+              <a:ext uri="{FF2B5EF4-FFF2-40B4-BE49-F238E27FC236}">
+                <a16:creationId xmlns:a16="http://schemas.microsoft.com/office/drawing/2014/main" id="{15D72DF3-4799-1F43-9B12-8F509D7C7B9B}"/>
+              </a:ext>
+            </a:extLst>
+          </p:cNvPr>
+          <p:cNvSpPr>
+            <a:spLocks noGrp="1"/>
+          </p:cNvSpPr>
+          <p:nvPr>
+            <p:ph type="ctrTitle"/>
+          </p:nvPr>
+        </p:nvSpPr>
+        <p:spPr>
+          <a:xfrm>
+            <a:off x="1524000" y="1122363"/>
+            <a:ext cx="9144000" cy="2387600"/>
+          </a:xfrm>
+        </p:spPr>
+        <p:txBody>
+          <a:bodyPr>
+            <a:normAutofit/>
+          </a:bodyPr>
+          <a:lstStyle/>
+          <a:p>
+            <a:endParaRPr lang="en-US">
+              <a:solidFill>
+                <a:srgbClr val="FFFFFF"/>
+              </a:solidFill>
+            </a:endParaRPr>
+          </a:p>
+        </p:txBody>
+      </p:sp>
+      <p:sp>
+        <p:nvSpPr>
+          <p:cNvPr id="3" name="Subtitle 2">
+            <a:extLst>
+              <a:ext uri="{FF2B5EF4-FFF2-40B4-BE49-F238E27FC236}">
+                <a16:creationId xmlns:a16="http://schemas.microsoft.com/office/drawing/2014/main" id="{EAC6D91B-216D-D748-A1EF-021C52877CAC}"/>
+              </a:ext>
+            </a:extLst>
+          </p:cNvPr>
+          <p:cNvSpPr>
+            <a:spLocks noGrp="1"/>
+          </p:cNvSpPr>
+          <p:nvPr>
+            <p:ph type="subTitle" idx="1"/>
+          </p:nvPr>
+        </p:nvSpPr>
+        <p:spPr>
+          <a:xfrm>
+            <a:off x="1524000" y="3602038"/>
+            <a:ext cx="9144000" cy="1655762"/>
+          </a:xfrm>
+        </p:spPr>
+        <p:txBody>
+          <a:bodyPr>
+            <a:normAutofit/>
+          </a:bodyPr>
+          <a:lstStyle/>
+          <a:p>
+            <a:endParaRPr lang="en-US" sz="2200">
+              <a:solidFill>
+                <a:srgbClr val="FFFFFF"/>
+              </a:solidFill>
+            </a:endParaRPr>
+          </a:p>
+        </p:txBody>
+      </p:sp>
+    </p:spTree>
+    <p:extLst>
+      <p:ext uri="{BB962C8B-B14F-4D97-AF65-F5344CB8AC3E}">
+        <p14:creationId xmlns:p14="http://schemas.microsoft.com/office/powerpoint/2010/main" val="265176671"/>
+      </p:ext>
+    </p:extLst>
+  </p:cSld>
+  <p:clrMapOvr>
+    <a:masterClrMapping/>
+  </p:clrMapOvr>
+</p:sld>
+</file>
+
+<file path=ppt/slides/slide15.xml><?xml version="1.0" encoding="utf-8"?>
+<p:sld xmlns:a="http://schemas.openxmlformats.org/drawingml/2006/main" xmlns:r="http://schemas.openxmlformats.org/officeDocument/2006/relationships" xmlns:p="http://schemas.openxmlformats.org/presentationml/2006/main">
+  <p:cSld>
+    <p:spTree>
+      <p:nvGrpSpPr>
+        <p:cNvPr id="1" name=""/>
+        <p:cNvGrpSpPr/>
+        <p:nvPr/>
+      </p:nvGrpSpPr>
+      <p:grpSpPr>
+        <a:xfrm>
+          <a:off x="0" y="0"/>
+          <a:ext cx="0" cy="0"/>
+          <a:chOff x="0" y="0"/>
+          <a:chExt cx="0" cy="0"/>
+        </a:xfrm>
+      </p:grpSpPr>
+      <p:pic>
+        <p:nvPicPr>
+          <p:cNvPr id="4" name="Picture 3" descr="Vector background of vibrant colors splashing">
+            <a:extLst>
+              <a:ext uri="{FF2B5EF4-FFF2-40B4-BE49-F238E27FC236}">
+                <a16:creationId xmlns:a16="http://schemas.microsoft.com/office/drawing/2014/main" id="{FCDEC43F-7752-C904-A16C-95DBC306F1B9}"/>
+              </a:ext>
+            </a:extLst>
+          </p:cNvPr>
+          <p:cNvPicPr>
+            <a:picLocks noChangeAspect="1"/>
+          </p:cNvPicPr>
+          <p:nvPr/>
+        </p:nvPicPr>
+        <p:blipFill rotWithShape="1">
+          <a:blip r:embed="rId2">
+            <a:alphaModFix amt="20000"/>
+          </a:blip>
+          <a:srcRect t="17259" r="-1" b="-1"/>
+          <a:stretch/>
+        </p:blipFill>
+        <p:spPr>
+          <a:xfrm>
+            <a:off x="-2" y="10"/>
+            <a:ext cx="12188952" cy="6857990"/>
+          </a:xfrm>
+          <a:prstGeom prst="rect">
+            <a:avLst/>
+          </a:prstGeom>
+        </p:spPr>
+      </p:pic>
+      <p:sp>
+        <p:nvSpPr>
+          <p:cNvPr id="2" name="Title 1">
+            <a:extLst>
+              <a:ext uri="{FF2B5EF4-FFF2-40B4-BE49-F238E27FC236}">
+                <a16:creationId xmlns:a16="http://schemas.microsoft.com/office/drawing/2014/main" id="{15D72DF3-4799-1F43-9B12-8F509D7C7B9B}"/>
+              </a:ext>
+            </a:extLst>
+          </p:cNvPr>
+          <p:cNvSpPr>
+            <a:spLocks noGrp="1"/>
+          </p:cNvSpPr>
+          <p:nvPr>
+            <p:ph type="ctrTitle"/>
+          </p:nvPr>
+        </p:nvSpPr>
+        <p:spPr>
+          <a:xfrm>
+            <a:off x="1524000" y="1122363"/>
+            <a:ext cx="9144000" cy="2387600"/>
+          </a:xfrm>
+        </p:spPr>
+        <p:txBody>
+          <a:bodyPr>
+            <a:normAutofit/>
+          </a:bodyPr>
+          <a:lstStyle/>
+          <a:p>
+            <a:endParaRPr lang="en-US">
+              <a:solidFill>
+                <a:srgbClr val="FFFFFF"/>
+              </a:solidFill>
+            </a:endParaRPr>
+          </a:p>
+        </p:txBody>
+      </p:sp>
+      <p:sp>
+        <p:nvSpPr>
+          <p:cNvPr id="3" name="Subtitle 2">
+            <a:extLst>
+              <a:ext uri="{FF2B5EF4-FFF2-40B4-BE49-F238E27FC236}">
+                <a16:creationId xmlns:a16="http://schemas.microsoft.com/office/drawing/2014/main" id="{EAC6D91B-216D-D748-A1EF-021C52877CAC}"/>
+              </a:ext>
+            </a:extLst>
+          </p:cNvPr>
+          <p:cNvSpPr>
+            <a:spLocks noGrp="1"/>
+          </p:cNvSpPr>
+          <p:nvPr>
+            <p:ph type="subTitle" idx="1"/>
+          </p:nvPr>
+        </p:nvSpPr>
+        <p:spPr>
+          <a:xfrm>
+            <a:off x="1524000" y="3602038"/>
+            <a:ext cx="9144000" cy="1655762"/>
+          </a:xfrm>
+        </p:spPr>
+        <p:txBody>
+          <a:bodyPr>
+            <a:normAutofit/>
+          </a:bodyPr>
+          <a:lstStyle/>
+          <a:p>
+            <a:endParaRPr lang="en-US" sz="2200">
+              <a:solidFill>
+                <a:srgbClr val="FFFFFF"/>
+              </a:solidFill>
+            </a:endParaRPr>
+          </a:p>
+        </p:txBody>
+      </p:sp>
+    </p:spTree>
+    <p:extLst>
+      <p:ext uri="{BB962C8B-B14F-4D97-AF65-F5344CB8AC3E}">
+        <p14:creationId xmlns:p14="http://schemas.microsoft.com/office/powerpoint/2010/main" val="747028352"/>
+      </p:ext>
+    </p:extLst>
+  </p:cSld>
+  <p:clrMapOvr>
+    <a:masterClrMapping/>
+  </p:clrMapOvr>
+</p:sld>
+</file>
+
+<file path=ppt/slides/slide16.xml><?xml version="1.0" encoding="utf-8"?>
+<p:sld xmlns:a="http://schemas.openxmlformats.org/drawingml/2006/main" xmlns:r="http://schemas.openxmlformats.org/officeDocument/2006/relationships" xmlns:p="http://schemas.openxmlformats.org/presentationml/2006/main">
+  <p:cSld>
+    <p:spTree>
+      <p:nvGrpSpPr>
+        <p:cNvPr id="1" name=""/>
+        <p:cNvGrpSpPr/>
+        <p:nvPr/>
+      </p:nvGrpSpPr>
+      <p:grpSpPr>
+        <a:xfrm>
+          <a:off x="0" y="0"/>
+          <a:ext cx="0" cy="0"/>
+          <a:chOff x="0" y="0"/>
+          <a:chExt cx="0" cy="0"/>
+        </a:xfrm>
+      </p:grpSpPr>
+      <p:pic>
+        <p:nvPicPr>
+          <p:cNvPr id="4" name="Picture 3" descr="Vector background of vibrant colors splashing">
+            <a:extLst>
+              <a:ext uri="{FF2B5EF4-FFF2-40B4-BE49-F238E27FC236}">
+                <a16:creationId xmlns:a16="http://schemas.microsoft.com/office/drawing/2014/main" id="{FCDEC43F-7752-C904-A16C-95DBC306F1B9}"/>
+              </a:ext>
+            </a:extLst>
+          </p:cNvPr>
+          <p:cNvPicPr>
+            <a:picLocks noChangeAspect="1"/>
+          </p:cNvPicPr>
+          <p:nvPr/>
+        </p:nvPicPr>
+        <p:blipFill rotWithShape="1">
+          <a:blip r:embed="rId2">
+            <a:alphaModFix amt="20000"/>
+          </a:blip>
+          <a:srcRect t="17259" r="-1" b="-1"/>
+          <a:stretch/>
+        </p:blipFill>
+        <p:spPr>
+          <a:xfrm>
+            <a:off x="-2" y="10"/>
+            <a:ext cx="12188952" cy="6857990"/>
+          </a:xfrm>
+          <a:prstGeom prst="rect">
+            <a:avLst/>
+          </a:prstGeom>
+        </p:spPr>
+      </p:pic>
+      <p:sp>
+        <p:nvSpPr>
+          <p:cNvPr id="2" name="Title 1">
+            <a:extLst>
+              <a:ext uri="{FF2B5EF4-FFF2-40B4-BE49-F238E27FC236}">
+                <a16:creationId xmlns:a16="http://schemas.microsoft.com/office/drawing/2014/main" id="{15D72DF3-4799-1F43-9B12-8F509D7C7B9B}"/>
+              </a:ext>
+            </a:extLst>
+          </p:cNvPr>
+          <p:cNvSpPr>
+            <a:spLocks noGrp="1"/>
+          </p:cNvSpPr>
+          <p:nvPr>
+            <p:ph type="ctrTitle"/>
+          </p:nvPr>
+        </p:nvSpPr>
+        <p:spPr>
+          <a:xfrm>
+            <a:off x="1524000" y="1122363"/>
+            <a:ext cx="9144000" cy="2387600"/>
+          </a:xfrm>
+        </p:spPr>
+        <p:txBody>
+          <a:bodyPr>
+            <a:normAutofit/>
+          </a:bodyPr>
+          <a:lstStyle/>
+          <a:p>
+            <a:endParaRPr lang="en-US">
+              <a:solidFill>
+                <a:srgbClr val="FFFFFF"/>
+              </a:solidFill>
+            </a:endParaRPr>
+          </a:p>
+        </p:txBody>
+      </p:sp>
+      <p:sp>
+        <p:nvSpPr>
+          <p:cNvPr id="3" name="Subtitle 2">
+            <a:extLst>
+              <a:ext uri="{FF2B5EF4-FFF2-40B4-BE49-F238E27FC236}">
+                <a16:creationId xmlns:a16="http://schemas.microsoft.com/office/drawing/2014/main" id="{EAC6D91B-216D-D748-A1EF-021C52877CAC}"/>
+              </a:ext>
+            </a:extLst>
+          </p:cNvPr>
+          <p:cNvSpPr>
+            <a:spLocks noGrp="1"/>
+          </p:cNvSpPr>
+          <p:nvPr>
+            <p:ph type="subTitle" idx="1"/>
+          </p:nvPr>
+        </p:nvSpPr>
+        <p:spPr>
+          <a:xfrm>
+            <a:off x="1524000" y="3602038"/>
+            <a:ext cx="9144000" cy="1655762"/>
+          </a:xfrm>
+        </p:spPr>
+        <p:txBody>
+          <a:bodyPr>
+            <a:normAutofit/>
+          </a:bodyPr>
+          <a:lstStyle/>
+          <a:p>
+            <a:endParaRPr lang="en-US" sz="2200">
+              <a:solidFill>
+                <a:srgbClr val="FFFFFF"/>
+              </a:solidFill>
+            </a:endParaRPr>
+          </a:p>
+        </p:txBody>
+      </p:sp>
+    </p:spTree>
+    <p:extLst>
+      <p:ext uri="{BB962C8B-B14F-4D97-AF65-F5344CB8AC3E}">
+        <p14:creationId xmlns:p14="http://schemas.microsoft.com/office/powerpoint/2010/main" val="809046410"/>
+      </p:ext>
+    </p:extLst>
+  </p:cSld>
+  <p:clrMapOvr>
+    <a:masterClrMapping/>
+  </p:clrMapOvr>
+</p:sld>
+</file>
+
+<file path=ppt/slides/slide17.xml><?xml version="1.0" encoding="utf-8"?>
+<p:sld xmlns:a="http://schemas.openxmlformats.org/drawingml/2006/main" xmlns:r="http://schemas.openxmlformats.org/officeDocument/2006/relationships" xmlns:p="http://schemas.openxmlformats.org/presentationml/2006/main">
+  <p:cSld>
+    <p:spTree>
+      <p:nvGrpSpPr>
+        <p:cNvPr id="1" name=""/>
+        <p:cNvGrpSpPr/>
+        <p:nvPr/>
+      </p:nvGrpSpPr>
+      <p:grpSpPr>
+        <a:xfrm>
+          <a:off x="0" y="0"/>
+          <a:ext cx="0" cy="0"/>
+          <a:chOff x="0" y="0"/>
+          <a:chExt cx="0" cy="0"/>
+        </a:xfrm>
+      </p:grpSpPr>
+      <p:pic>
+        <p:nvPicPr>
+          <p:cNvPr id="4" name="Picture 3" descr="Vector background of vibrant colors splashing">
+            <a:extLst>
+              <a:ext uri="{FF2B5EF4-FFF2-40B4-BE49-F238E27FC236}">
+                <a16:creationId xmlns:a16="http://schemas.microsoft.com/office/drawing/2014/main" id="{FCDEC43F-7752-C904-A16C-95DBC306F1B9}"/>
+              </a:ext>
+            </a:extLst>
+          </p:cNvPr>
+          <p:cNvPicPr>
+            <a:picLocks noChangeAspect="1"/>
+          </p:cNvPicPr>
+          <p:nvPr/>
+        </p:nvPicPr>
+        <p:blipFill rotWithShape="1">
+          <a:blip r:embed="rId2">
+            <a:alphaModFix amt="20000"/>
+          </a:blip>
+          <a:srcRect t="17259" r="-1" b="-1"/>
+          <a:stretch/>
+        </p:blipFill>
+        <p:spPr>
+          <a:xfrm>
+            <a:off x="-2" y="10"/>
+            <a:ext cx="12188952" cy="6857990"/>
+          </a:xfrm>
+          <a:prstGeom prst="rect">
+            <a:avLst/>
+          </a:prstGeom>
+        </p:spPr>
+      </p:pic>
+      <p:sp>
+        <p:nvSpPr>
+          <p:cNvPr id="2" name="Title 1">
+            <a:extLst>
+              <a:ext uri="{FF2B5EF4-FFF2-40B4-BE49-F238E27FC236}">
+                <a16:creationId xmlns:a16="http://schemas.microsoft.com/office/drawing/2014/main" id="{15D72DF3-4799-1F43-9B12-8F509D7C7B9B}"/>
+              </a:ext>
+            </a:extLst>
+          </p:cNvPr>
+          <p:cNvSpPr>
+            <a:spLocks noGrp="1"/>
+          </p:cNvSpPr>
+          <p:nvPr>
+            <p:ph type="ctrTitle"/>
+          </p:nvPr>
+        </p:nvSpPr>
+        <p:spPr>
+          <a:xfrm>
+            <a:off x="1524000" y="1122363"/>
+            <a:ext cx="9144000" cy="2387600"/>
+          </a:xfrm>
+        </p:spPr>
+        <p:txBody>
+          <a:bodyPr>
+            <a:normAutofit/>
+          </a:bodyPr>
+          <a:lstStyle/>
+          <a:p>
+            <a:endParaRPr lang="en-US">
+              <a:solidFill>
+                <a:srgbClr val="FFFFFF"/>
+              </a:solidFill>
+            </a:endParaRPr>
+          </a:p>
+        </p:txBody>
+      </p:sp>
+      <p:sp>
+        <p:nvSpPr>
+          <p:cNvPr id="3" name="Subtitle 2">
+            <a:extLst>
+              <a:ext uri="{FF2B5EF4-FFF2-40B4-BE49-F238E27FC236}">
+                <a16:creationId xmlns:a16="http://schemas.microsoft.com/office/drawing/2014/main" id="{EAC6D91B-216D-D748-A1EF-021C52877CAC}"/>
+              </a:ext>
+            </a:extLst>
+          </p:cNvPr>
+          <p:cNvSpPr>
+            <a:spLocks noGrp="1"/>
+          </p:cNvSpPr>
+          <p:nvPr>
+            <p:ph type="subTitle" idx="1"/>
+          </p:nvPr>
+        </p:nvSpPr>
+        <p:spPr>
+          <a:xfrm>
+            <a:off x="1524000" y="3602038"/>
+            <a:ext cx="9144000" cy="1655762"/>
+          </a:xfrm>
+        </p:spPr>
+        <p:txBody>
+          <a:bodyPr>
+            <a:normAutofit/>
+          </a:bodyPr>
+          <a:lstStyle/>
+          <a:p>
+            <a:endParaRPr lang="en-US" sz="2200">
+              <a:solidFill>
+                <a:srgbClr val="FFFFFF"/>
+              </a:solidFill>
+            </a:endParaRPr>
+          </a:p>
+        </p:txBody>
+      </p:sp>
+    </p:spTree>
+    <p:extLst>
+      <p:ext uri="{BB962C8B-B14F-4D97-AF65-F5344CB8AC3E}">
+        <p14:creationId xmlns:p14="http://schemas.microsoft.com/office/powerpoint/2010/main" val="2885897024"/>
+      </p:ext>
+    </p:extLst>
+  </p:cSld>
+  <p:clrMapOvr>
+    <a:masterClrMapping/>
+  </p:clrMapOvr>
+</p:sld>
+</file>
+
+<file path=ppt/slides/slide18.xml><?xml version="1.0" encoding="utf-8"?>
+<p:sld xmlns:a="http://schemas.openxmlformats.org/drawingml/2006/main" xmlns:r="http://schemas.openxmlformats.org/officeDocument/2006/relationships" xmlns:p="http://schemas.openxmlformats.org/presentationml/2006/main">
+  <p:cSld>
+    <p:spTree>
+      <p:nvGrpSpPr>
+        <p:cNvPr id="1" name=""/>
+        <p:cNvGrpSpPr/>
+        <p:nvPr/>
+      </p:nvGrpSpPr>
+      <p:grpSpPr>
+        <a:xfrm>
+          <a:off x="0" y="0"/>
+          <a:ext cx="0" cy="0"/>
+          <a:chOff x="0" y="0"/>
+          <a:chExt cx="0" cy="0"/>
+        </a:xfrm>
+      </p:grpSpPr>
+      <p:pic>
+        <p:nvPicPr>
+          <p:cNvPr id="4" name="Picture 3" descr="Vector background of vibrant colors splashing">
+            <a:extLst>
+              <a:ext uri="{FF2B5EF4-FFF2-40B4-BE49-F238E27FC236}">
+                <a16:creationId xmlns:a16="http://schemas.microsoft.com/office/drawing/2014/main" id="{FCDEC43F-7752-C904-A16C-95DBC306F1B9}"/>
+              </a:ext>
+            </a:extLst>
+          </p:cNvPr>
+          <p:cNvPicPr>
+            <a:picLocks noChangeAspect="1"/>
+          </p:cNvPicPr>
+          <p:nvPr/>
+        </p:nvPicPr>
+        <p:blipFill rotWithShape="1">
+          <a:blip r:embed="rId2">
+            <a:alphaModFix amt="20000"/>
+          </a:blip>
+          <a:srcRect t="17259" r="-1" b="-1"/>
+          <a:stretch/>
+        </p:blipFill>
+        <p:spPr>
+          <a:xfrm>
+            <a:off x="3048" y="10"/>
+            <a:ext cx="12188952" cy="6857990"/>
+          </a:xfrm>
+          <a:prstGeom prst="rect">
+            <a:avLst/>
+          </a:prstGeom>
+        </p:spPr>
+      </p:pic>
+      <p:sp>
+        <p:nvSpPr>
+          <p:cNvPr id="2" name="Title 1">
+            <a:extLst>
+              <a:ext uri="{FF2B5EF4-FFF2-40B4-BE49-F238E27FC236}">
+                <a16:creationId xmlns:a16="http://schemas.microsoft.com/office/drawing/2014/main" id="{15D72DF3-4799-1F43-9B12-8F509D7C7B9B}"/>
+              </a:ext>
+            </a:extLst>
+          </p:cNvPr>
+          <p:cNvSpPr>
+            <a:spLocks noGrp="1"/>
+          </p:cNvSpPr>
+          <p:nvPr>
+            <p:ph type="ctrTitle"/>
+          </p:nvPr>
+        </p:nvSpPr>
+        <p:spPr>
+          <a:xfrm>
+            <a:off x="1524000" y="630194"/>
+            <a:ext cx="9144000" cy="606125"/>
+          </a:xfrm>
+        </p:spPr>
+        <p:txBody>
+          <a:bodyPr>
+            <a:normAutofit/>
+          </a:bodyPr>
+          <a:lstStyle/>
+          <a:p>
+            <a:pPr>
+              <a:buClr>
+                <a:schemeClr val="tx1"/>
+              </a:buClr>
+            </a:pPr>
+            <a:r>
+              <a:rPr lang="en-US" sz="3200" dirty="0">
+                <a:solidFill>
+                  <a:schemeClr val="tx1"/>
+                </a:solidFill>
+              </a:rPr>
+              <a:t>Random Forest with the </a:t>
+            </a:r>
+            <a:r>
+              <a:rPr lang="en-US" sz="3200" dirty="0" err="1">
+                <a:solidFill>
+                  <a:schemeClr val="tx1"/>
+                </a:solidFill>
+              </a:rPr>
+              <a:t>GridSearchCV</a:t>
+            </a:r>
+            <a:endParaRPr lang="en-US" sz="3200" dirty="0">
+              <a:solidFill>
+                <a:schemeClr val="tx1"/>
+              </a:solidFill>
+            </a:endParaRPr>
+          </a:p>
+        </p:txBody>
+      </p:sp>
+      <p:sp>
+        <p:nvSpPr>
+          <p:cNvPr id="3" name="Subtitle 2">
+            <a:extLst>
+              <a:ext uri="{FF2B5EF4-FFF2-40B4-BE49-F238E27FC236}">
+                <a16:creationId xmlns:a16="http://schemas.microsoft.com/office/drawing/2014/main" id="{EAC6D91B-216D-D748-A1EF-021C52877CAC}"/>
+              </a:ext>
+            </a:extLst>
+          </p:cNvPr>
+          <p:cNvSpPr>
+            <a:spLocks noGrp="1"/>
+          </p:cNvSpPr>
+          <p:nvPr>
+            <p:ph type="subTitle" idx="1"/>
+          </p:nvPr>
+        </p:nvSpPr>
+        <p:spPr>
+          <a:xfrm>
+            <a:off x="1524000" y="1402534"/>
+            <a:ext cx="9144000" cy="4318643"/>
+          </a:xfrm>
+        </p:spPr>
+        <p:txBody>
+          <a:bodyPr>
+            <a:normAutofit/>
+          </a:bodyPr>
+          <a:lstStyle/>
+          <a:p>
+            <a:pPr marL="342900" indent="-342900" algn="l">
+              <a:buClr>
+                <a:schemeClr val="tx1"/>
+              </a:buClr>
+              <a:buFont typeface="Arial" panose="020B0604020202020204" pitchFamily="34" charset="0"/>
+              <a:buChar char="•"/>
+            </a:pPr>
+            <a:r>
+              <a:rPr lang="en-US" sz="2000" dirty="0">
+                <a:solidFill>
+                  <a:schemeClr val="tx1"/>
+                </a:solidFill>
+              </a:rPr>
+              <a:t>2,500 accounts were tested for  the Bank Customer Churn Prediction</a:t>
+            </a:r>
+          </a:p>
+          <a:p>
+            <a:pPr marL="342900" indent="-342900" algn="l">
+              <a:buClr>
+                <a:schemeClr val="tx1"/>
+              </a:buClr>
+              <a:buFont typeface="Arial" panose="020B0604020202020204" pitchFamily="34" charset="0"/>
+              <a:buChar char="•"/>
+            </a:pPr>
+            <a:r>
+              <a:rPr lang="en-US" sz="2000" dirty="0">
+                <a:solidFill>
+                  <a:schemeClr val="tx1"/>
+                </a:solidFill>
+              </a:rPr>
+              <a:t>The classifier of KNN model predicted 2,003 accounts to have tested positive and the rest 497 as negative.</a:t>
+            </a:r>
+          </a:p>
+          <a:p>
+            <a:pPr marL="342900" indent="-342900" algn="l">
+              <a:buClr>
+                <a:schemeClr val="tx1"/>
+              </a:buClr>
+              <a:buFont typeface="Arial" panose="020B0604020202020204" pitchFamily="34" charset="0"/>
+              <a:buChar char="•"/>
+            </a:pPr>
+            <a:r>
+              <a:rPr lang="en-US" sz="2000" dirty="0">
+                <a:solidFill>
+                  <a:schemeClr val="tx1"/>
+                </a:solidFill>
+              </a:rPr>
+              <a:t>However, 2,201 accounts tested positive and 299 tested negative.</a:t>
+            </a:r>
+          </a:p>
+          <a:p>
+            <a:endParaRPr lang="en-US" sz="2200" dirty="0">
+              <a:solidFill>
+                <a:srgbClr val="FFFFFF"/>
+              </a:solidFill>
+            </a:endParaRPr>
+          </a:p>
+        </p:txBody>
+      </p:sp>
+      <p:pic>
+        <p:nvPicPr>
+          <p:cNvPr id="5" name="Picture 4">
+            <a:extLst>
+              <a:ext uri="{FF2B5EF4-FFF2-40B4-BE49-F238E27FC236}">
+                <a16:creationId xmlns:a16="http://schemas.microsoft.com/office/drawing/2014/main" id="{7CBB1ED9-2CF0-1844-8BD8-E9642B3105A5}"/>
+              </a:ext>
+            </a:extLst>
+          </p:cNvPr>
+          <p:cNvPicPr>
+            <a:picLocks noChangeAspect="1"/>
+          </p:cNvPicPr>
+          <p:nvPr/>
+        </p:nvPicPr>
+        <p:blipFill>
+          <a:blip r:embed="rId3"/>
+          <a:stretch>
+            <a:fillRect/>
+          </a:stretch>
+        </p:blipFill>
+        <p:spPr>
+          <a:xfrm>
+            <a:off x="3079067" y="3070653"/>
+            <a:ext cx="5197602" cy="3327400"/>
+          </a:xfrm>
+          <a:prstGeom prst="rect">
+            <a:avLst/>
+          </a:prstGeom>
+        </p:spPr>
+      </p:pic>
+    </p:spTree>
+    <p:extLst>
+      <p:ext uri="{BB962C8B-B14F-4D97-AF65-F5344CB8AC3E}">
+        <p14:creationId xmlns:p14="http://schemas.microsoft.com/office/powerpoint/2010/main" val="1551528892"/>
+      </p:ext>
+    </p:extLst>
+  </p:cSld>
+  <p:clrMapOvr>
+    <a:masterClrMapping/>
+  </p:clrMapOvr>
+</p:sld>
+</file>
+
+<file path=ppt/slides/slide19.xml><?xml version="1.0" encoding="utf-8"?>
+<p:sld xmlns:a="http://schemas.openxmlformats.org/drawingml/2006/main" xmlns:r="http://schemas.openxmlformats.org/officeDocument/2006/relationships" xmlns:p="http://schemas.openxmlformats.org/presentationml/2006/main">
+  <p:cSld>
+    <p:spTree>
+      <p:nvGrpSpPr>
+        <p:cNvPr id="1" name=""/>
+        <p:cNvGrpSpPr/>
+        <p:nvPr/>
+      </p:nvGrpSpPr>
+      <p:grpSpPr>
+        <a:xfrm>
+          <a:off x="0" y="0"/>
+          <a:ext cx="0" cy="0"/>
+          <a:chOff x="0" y="0"/>
+          <a:chExt cx="0" cy="0"/>
+        </a:xfrm>
+      </p:grpSpPr>
+      <p:pic>
+        <p:nvPicPr>
+          <p:cNvPr id="4" name="Picture 3" descr="Vector background of vibrant colors splashing">
+            <a:extLst>
+              <a:ext uri="{FF2B5EF4-FFF2-40B4-BE49-F238E27FC236}">
+                <a16:creationId xmlns:a16="http://schemas.microsoft.com/office/drawing/2014/main" id="{FCDEC43F-7752-C904-A16C-95DBC306F1B9}"/>
+              </a:ext>
+            </a:extLst>
+          </p:cNvPr>
+          <p:cNvPicPr>
+            <a:picLocks noChangeAspect="1"/>
+          </p:cNvPicPr>
+          <p:nvPr/>
+        </p:nvPicPr>
+        <p:blipFill rotWithShape="1">
+          <a:blip r:embed="rId2">
+            <a:alphaModFix amt="20000"/>
+          </a:blip>
+          <a:srcRect t="17259" r="-1" b="-1"/>
+          <a:stretch/>
+        </p:blipFill>
+        <p:spPr>
+          <a:xfrm>
+            <a:off x="0" y="10"/>
+            <a:ext cx="12188952" cy="6857990"/>
+          </a:xfrm>
+          <a:prstGeom prst="rect">
+            <a:avLst/>
+          </a:prstGeom>
+        </p:spPr>
+      </p:pic>
+      <p:sp>
+        <p:nvSpPr>
+          <p:cNvPr id="2" name="Title 1">
+            <a:extLst>
+              <a:ext uri="{FF2B5EF4-FFF2-40B4-BE49-F238E27FC236}">
+                <a16:creationId xmlns:a16="http://schemas.microsoft.com/office/drawing/2014/main" id="{15D72DF3-4799-1F43-9B12-8F509D7C7B9B}"/>
+              </a:ext>
+            </a:extLst>
+          </p:cNvPr>
+          <p:cNvSpPr>
+            <a:spLocks noGrp="1"/>
+          </p:cNvSpPr>
+          <p:nvPr>
+            <p:ph type="ctrTitle"/>
+          </p:nvPr>
+        </p:nvSpPr>
+        <p:spPr>
+          <a:xfrm>
+            <a:off x="1522476" y="1321122"/>
+            <a:ext cx="9144000" cy="558155"/>
+          </a:xfrm>
+        </p:spPr>
+        <p:txBody>
+          <a:bodyPr>
+            <a:normAutofit fontScale="90000"/>
+          </a:bodyPr>
+          <a:lstStyle/>
+          <a:p>
+            <a:r>
+              <a:rPr lang="en-US" sz="3500" dirty="0">
+                <a:solidFill>
+                  <a:schemeClr val="tx1"/>
+                </a:solidFill>
+              </a:rPr>
+              <a:t>KNN model</a:t>
+            </a:r>
+            <a:br>
+              <a:rPr lang="en-US" sz="5400" dirty="0">
+                <a:solidFill>
+                  <a:schemeClr val="tx1"/>
+                </a:solidFill>
+              </a:rPr>
+            </a:br>
+            <a:endParaRPr lang="en-US" dirty="0">
+              <a:solidFill>
+                <a:srgbClr val="FFFFFF"/>
+              </a:solidFill>
+            </a:endParaRPr>
+          </a:p>
+        </p:txBody>
+      </p:sp>
+      <p:sp>
+        <p:nvSpPr>
+          <p:cNvPr id="3" name="Subtitle 2">
+            <a:extLst>
+              <a:ext uri="{FF2B5EF4-FFF2-40B4-BE49-F238E27FC236}">
+                <a16:creationId xmlns:a16="http://schemas.microsoft.com/office/drawing/2014/main" id="{EAC6D91B-216D-D748-A1EF-021C52877CAC}"/>
+              </a:ext>
+            </a:extLst>
+          </p:cNvPr>
+          <p:cNvSpPr>
+            <a:spLocks noGrp="1"/>
+          </p:cNvSpPr>
+          <p:nvPr>
+            <p:ph type="subTitle" idx="1"/>
+          </p:nvPr>
+        </p:nvSpPr>
+        <p:spPr>
+          <a:xfrm>
+            <a:off x="1522476" y="1321122"/>
+            <a:ext cx="9144000" cy="4597764"/>
+          </a:xfrm>
+        </p:spPr>
+        <p:txBody>
+          <a:bodyPr>
+            <a:normAutofit/>
+          </a:bodyPr>
+          <a:lstStyle/>
+          <a:p>
+            <a:pPr marL="342900" indent="-342900" algn="l">
+              <a:buClr>
+                <a:schemeClr val="tx1"/>
+              </a:buClr>
+              <a:buFont typeface="Arial" panose="020B0604020202020204" pitchFamily="34" charset="0"/>
+              <a:buChar char="•"/>
+            </a:pPr>
+            <a:r>
+              <a:rPr lang="en-US" sz="2000" dirty="0">
+                <a:solidFill>
+                  <a:schemeClr val="tx1"/>
+                </a:solidFill>
+              </a:rPr>
+              <a:t>2,500 accounts were tested for  the Bank Customer Churn Prediction</a:t>
+            </a:r>
+          </a:p>
+          <a:p>
+            <a:pPr marL="342900" indent="-342900" algn="l">
+              <a:buClr>
+                <a:schemeClr val="tx1"/>
+              </a:buClr>
+              <a:buFont typeface="Arial" panose="020B0604020202020204" pitchFamily="34" charset="0"/>
+              <a:buChar char="•"/>
+            </a:pPr>
+            <a:r>
+              <a:rPr lang="en-US" sz="2000" dirty="0">
+                <a:solidFill>
+                  <a:schemeClr val="tx1"/>
+                </a:solidFill>
+              </a:rPr>
+              <a:t>The classifier of KNN model predicted 2,003 accounts to have tested positive and the rest 497 as negative.</a:t>
+            </a:r>
+          </a:p>
+          <a:p>
+            <a:pPr marL="342900" indent="-342900" algn="l">
+              <a:buClr>
+                <a:schemeClr val="tx1"/>
+              </a:buClr>
+              <a:buFont typeface="Arial" panose="020B0604020202020204" pitchFamily="34" charset="0"/>
+              <a:buChar char="•"/>
+            </a:pPr>
+            <a:r>
+              <a:rPr lang="en-US" sz="2000" dirty="0">
+                <a:solidFill>
+                  <a:schemeClr val="tx1"/>
+                </a:solidFill>
+              </a:rPr>
+              <a:t>However, 2,195 accounts tested positive and 305 tested negative.</a:t>
+            </a:r>
+          </a:p>
+          <a:p>
+            <a:pPr marL="342900" indent="-342900" algn="l">
+              <a:buClr>
+                <a:schemeClr val="tx1"/>
+              </a:buClr>
+              <a:buFont typeface="Arial" panose="020B0604020202020204" pitchFamily="34" charset="0"/>
+              <a:buChar char="•"/>
+            </a:pPr>
+            <a:endParaRPr lang="en-US" sz="2200" dirty="0">
+              <a:solidFill>
+                <a:schemeClr val="tx1"/>
+              </a:solidFill>
+            </a:endParaRPr>
+          </a:p>
+          <a:p>
+            <a:pPr marL="342900" indent="-342900" algn="l">
+              <a:buClr>
+                <a:schemeClr val="tx1"/>
+              </a:buClr>
+              <a:buFont typeface="Arial" panose="020B0604020202020204" pitchFamily="34" charset="0"/>
+              <a:buChar char="•"/>
+            </a:pPr>
+            <a:endParaRPr lang="en-US" sz="2200" dirty="0">
+              <a:solidFill>
+                <a:schemeClr val="tx1"/>
+              </a:solidFill>
+            </a:endParaRPr>
+          </a:p>
+        </p:txBody>
+      </p:sp>
+      <p:pic>
+        <p:nvPicPr>
+          <p:cNvPr id="5" name="Picture 4">
+            <a:extLst>
+              <a:ext uri="{FF2B5EF4-FFF2-40B4-BE49-F238E27FC236}">
+                <a16:creationId xmlns:a16="http://schemas.microsoft.com/office/drawing/2014/main" id="{BB0A130C-A6B6-6042-A016-3FDFDC7C7DED}"/>
+              </a:ext>
+            </a:extLst>
+          </p:cNvPr>
+          <p:cNvPicPr>
+            <a:picLocks noChangeAspect="1"/>
+          </p:cNvPicPr>
+          <p:nvPr/>
+        </p:nvPicPr>
+        <p:blipFill>
+          <a:blip r:embed="rId3"/>
+          <a:stretch>
+            <a:fillRect/>
+          </a:stretch>
+        </p:blipFill>
+        <p:spPr>
+          <a:xfrm>
+            <a:off x="2743232" y="3061043"/>
+            <a:ext cx="5995601" cy="3327400"/>
+          </a:xfrm>
+          <a:prstGeom prst="rect">
+            <a:avLst/>
+          </a:prstGeom>
+        </p:spPr>
+      </p:pic>
+    </p:spTree>
+    <p:extLst>
+      <p:ext uri="{BB962C8B-B14F-4D97-AF65-F5344CB8AC3E}">
+        <p14:creationId xmlns:p14="http://schemas.microsoft.com/office/powerpoint/2010/main" val="3485820768"/>
       </p:ext>
     </p:extLst>
   </p:cSld>
@@ -4309,7 +5339,7 @@
                   <a:schemeClr val="tx1"/>
                 </a:solidFill>
               </a:rPr>
-              <a:t>Background of the data</a:t>
+              <a:t>Information of the data</a:t>
             </a:r>
           </a:p>
           <a:p>
@@ -4326,7 +5356,7 @@
                   <a:schemeClr val="tx1"/>
                 </a:solidFill>
               </a:rPr>
-              <a:t>KNN model</a:t>
+              <a:t>Business Problem</a:t>
             </a:r>
           </a:p>
           <a:p>
@@ -4343,21 +5373,8 @@
                   <a:schemeClr val="tx1"/>
                 </a:solidFill>
               </a:rPr>
-              <a:t>KNN model with the </a:t>
-            </a:r>
-            <a:r>
-              <a:rPr lang="en-US" sz="2500" dirty="0" err="1">
-                <a:solidFill>
-                  <a:schemeClr val="tx1"/>
-                </a:solidFill>
-              </a:rPr>
-              <a:t>GridSearchCV</a:t>
-            </a:r>
-            <a:endParaRPr lang="en-US" sz="2500" dirty="0">
-              <a:solidFill>
-                <a:schemeClr val="tx1"/>
-              </a:solidFill>
-            </a:endParaRPr>
+              <a:t>Background of the data</a:t>
+            </a:r>
           </a:p>
           <a:p>
             <a:pPr marL="342900" indent="-342900" algn="l">
@@ -4373,7 +5390,7 @@
                   <a:schemeClr val="tx1"/>
                 </a:solidFill>
               </a:rPr>
-              <a:t>Random Forest</a:t>
+              <a:t>KNN model vs Random Forest model</a:t>
             </a:r>
           </a:p>
           <a:p>
@@ -4390,21 +5407,8 @@
                   <a:schemeClr val="tx1"/>
                 </a:solidFill>
               </a:rPr>
-              <a:t>Random Forest with the </a:t>
-            </a:r>
-            <a:r>
-              <a:rPr lang="en-US" sz="2500" dirty="0" err="1">
-                <a:solidFill>
-                  <a:schemeClr val="tx1"/>
-                </a:solidFill>
-              </a:rPr>
-              <a:t>GridSearchCV</a:t>
-            </a:r>
-            <a:endParaRPr lang="en-US" sz="2500" dirty="0">
-              <a:solidFill>
-                <a:schemeClr val="tx1"/>
-              </a:solidFill>
-            </a:endParaRPr>
+              <a:t>Final Decision of the model</a:t>
+            </a:r>
           </a:p>
           <a:p>
             <a:pPr marL="342900" indent="-342900" algn="l">
@@ -4429,6 +5433,1191 @@
     <p:extLst>
       <p:ext uri="{BB962C8B-B14F-4D97-AF65-F5344CB8AC3E}">
         <p14:creationId xmlns:p14="http://schemas.microsoft.com/office/powerpoint/2010/main" val="2897107633"/>
+      </p:ext>
+    </p:extLst>
+  </p:cSld>
+  <p:clrMapOvr>
+    <a:masterClrMapping/>
+  </p:clrMapOvr>
+</p:sld>
+</file>
+
+<file path=ppt/slides/slide20.xml><?xml version="1.0" encoding="utf-8"?>
+<p:sld xmlns:a="http://schemas.openxmlformats.org/drawingml/2006/main" xmlns:r="http://schemas.openxmlformats.org/officeDocument/2006/relationships" xmlns:p="http://schemas.openxmlformats.org/presentationml/2006/main">
+  <p:cSld>
+    <p:spTree>
+      <p:nvGrpSpPr>
+        <p:cNvPr id="1" name=""/>
+        <p:cNvGrpSpPr/>
+        <p:nvPr/>
+      </p:nvGrpSpPr>
+      <p:grpSpPr>
+        <a:xfrm>
+          <a:off x="0" y="0"/>
+          <a:ext cx="0" cy="0"/>
+          <a:chOff x="0" y="0"/>
+          <a:chExt cx="0" cy="0"/>
+        </a:xfrm>
+      </p:grpSpPr>
+      <p:pic>
+        <p:nvPicPr>
+          <p:cNvPr id="4" name="Picture 3" descr="Vector background of vibrant colors splashing">
+            <a:extLst>
+              <a:ext uri="{FF2B5EF4-FFF2-40B4-BE49-F238E27FC236}">
+                <a16:creationId xmlns:a16="http://schemas.microsoft.com/office/drawing/2014/main" id="{FCDEC43F-7752-C904-A16C-95DBC306F1B9}"/>
+              </a:ext>
+            </a:extLst>
+          </p:cNvPr>
+          <p:cNvPicPr>
+            <a:picLocks noChangeAspect="1"/>
+          </p:cNvPicPr>
+          <p:nvPr/>
+        </p:nvPicPr>
+        <p:blipFill rotWithShape="1">
+          <a:blip r:embed="rId2">
+            <a:alphaModFix amt="20000"/>
+          </a:blip>
+          <a:srcRect t="17259" r="-1" b="-1"/>
+          <a:stretch/>
+        </p:blipFill>
+        <p:spPr>
+          <a:xfrm>
+            <a:off x="3048" y="10"/>
+            <a:ext cx="12188952" cy="6857990"/>
+          </a:xfrm>
+          <a:prstGeom prst="rect">
+            <a:avLst/>
+          </a:prstGeom>
+        </p:spPr>
+      </p:pic>
+      <p:sp>
+        <p:nvSpPr>
+          <p:cNvPr id="2" name="Title 1">
+            <a:extLst>
+              <a:ext uri="{FF2B5EF4-FFF2-40B4-BE49-F238E27FC236}">
+                <a16:creationId xmlns:a16="http://schemas.microsoft.com/office/drawing/2014/main" id="{15D72DF3-4799-1F43-9B12-8F509D7C7B9B}"/>
+              </a:ext>
+            </a:extLst>
+          </p:cNvPr>
+          <p:cNvSpPr>
+            <a:spLocks noGrp="1"/>
+          </p:cNvSpPr>
+          <p:nvPr>
+            <p:ph type="ctrTitle"/>
+          </p:nvPr>
+        </p:nvSpPr>
+        <p:spPr>
+          <a:xfrm>
+            <a:off x="1524000" y="630194"/>
+            <a:ext cx="9144000" cy="606125"/>
+          </a:xfrm>
+        </p:spPr>
+        <p:txBody>
+          <a:bodyPr>
+            <a:normAutofit/>
+          </a:bodyPr>
+          <a:lstStyle/>
+          <a:p>
+            <a:pPr>
+              <a:buClr>
+                <a:schemeClr val="tx1"/>
+              </a:buClr>
+            </a:pPr>
+            <a:r>
+              <a:rPr lang="en-US" sz="3200" dirty="0">
+                <a:solidFill>
+                  <a:schemeClr val="tx1"/>
+                </a:solidFill>
+              </a:rPr>
+              <a:t>KNN model with the </a:t>
+            </a:r>
+            <a:r>
+              <a:rPr lang="en-US" sz="3200" dirty="0" err="1">
+                <a:solidFill>
+                  <a:schemeClr val="tx1"/>
+                </a:solidFill>
+              </a:rPr>
+              <a:t>GridSearchCV</a:t>
+            </a:r>
+            <a:endParaRPr lang="en-US" sz="3200" dirty="0">
+              <a:solidFill>
+                <a:schemeClr val="tx1"/>
+              </a:solidFill>
+            </a:endParaRPr>
+          </a:p>
+        </p:txBody>
+      </p:sp>
+      <p:sp>
+        <p:nvSpPr>
+          <p:cNvPr id="3" name="Subtitle 2">
+            <a:extLst>
+              <a:ext uri="{FF2B5EF4-FFF2-40B4-BE49-F238E27FC236}">
+                <a16:creationId xmlns:a16="http://schemas.microsoft.com/office/drawing/2014/main" id="{EAC6D91B-216D-D748-A1EF-021C52877CAC}"/>
+              </a:ext>
+            </a:extLst>
+          </p:cNvPr>
+          <p:cNvSpPr>
+            <a:spLocks noGrp="1"/>
+          </p:cNvSpPr>
+          <p:nvPr>
+            <p:ph type="subTitle" idx="1"/>
+          </p:nvPr>
+        </p:nvSpPr>
+        <p:spPr>
+          <a:xfrm>
+            <a:off x="1524000" y="1402534"/>
+            <a:ext cx="9144000" cy="4318643"/>
+          </a:xfrm>
+        </p:spPr>
+        <p:txBody>
+          <a:bodyPr>
+            <a:normAutofit/>
+          </a:bodyPr>
+          <a:lstStyle/>
+          <a:p>
+            <a:pPr marL="342900" indent="-342900" algn="l">
+              <a:buClr>
+                <a:schemeClr val="tx1"/>
+              </a:buClr>
+              <a:buFont typeface="Arial" panose="020B0604020202020204" pitchFamily="34" charset="0"/>
+              <a:buChar char="•"/>
+            </a:pPr>
+            <a:r>
+              <a:rPr lang="en-US" sz="2000" dirty="0">
+                <a:solidFill>
+                  <a:schemeClr val="tx1"/>
+                </a:solidFill>
+              </a:rPr>
+              <a:t>2,500 accounts were tested for  the Bank Customer Churn Prediction</a:t>
+            </a:r>
+          </a:p>
+          <a:p>
+            <a:pPr marL="342900" indent="-342900" algn="l">
+              <a:buClr>
+                <a:schemeClr val="tx1"/>
+              </a:buClr>
+              <a:buFont typeface="Arial" panose="020B0604020202020204" pitchFamily="34" charset="0"/>
+              <a:buChar char="•"/>
+            </a:pPr>
+            <a:r>
+              <a:rPr lang="en-US" sz="2000" dirty="0">
+                <a:solidFill>
+                  <a:schemeClr val="tx1"/>
+                </a:solidFill>
+              </a:rPr>
+              <a:t>The classifier of KNN model predicted 2,003 accounts to have tested positive and the rest 497 as negative.</a:t>
+            </a:r>
+          </a:p>
+          <a:p>
+            <a:pPr marL="342900" indent="-342900" algn="l">
+              <a:buClr>
+                <a:schemeClr val="tx1"/>
+              </a:buClr>
+              <a:buFont typeface="Arial" panose="020B0604020202020204" pitchFamily="34" charset="0"/>
+              <a:buChar char="•"/>
+            </a:pPr>
+            <a:r>
+              <a:rPr lang="en-US" sz="2000" dirty="0">
+                <a:solidFill>
+                  <a:schemeClr val="tx1"/>
+                </a:solidFill>
+              </a:rPr>
+              <a:t>However, 2,272 accounts tested positive and 228 tested negative.</a:t>
+            </a:r>
+          </a:p>
+          <a:p>
+            <a:endParaRPr lang="en-US" sz="2200" dirty="0">
+              <a:solidFill>
+                <a:srgbClr val="FFFFFF"/>
+              </a:solidFill>
+            </a:endParaRPr>
+          </a:p>
+        </p:txBody>
+      </p:sp>
+      <p:pic>
+        <p:nvPicPr>
+          <p:cNvPr id="5" name="Picture 4">
+            <a:extLst>
+              <a:ext uri="{FF2B5EF4-FFF2-40B4-BE49-F238E27FC236}">
+                <a16:creationId xmlns:a16="http://schemas.microsoft.com/office/drawing/2014/main" id="{C95AADC2-C9FC-5244-9F5D-518EA099A519}"/>
+              </a:ext>
+            </a:extLst>
+          </p:cNvPr>
+          <p:cNvPicPr>
+            <a:picLocks noChangeAspect="1"/>
+          </p:cNvPicPr>
+          <p:nvPr/>
+        </p:nvPicPr>
+        <p:blipFill>
+          <a:blip r:embed="rId3"/>
+          <a:stretch>
+            <a:fillRect/>
+          </a:stretch>
+        </p:blipFill>
+        <p:spPr>
+          <a:xfrm>
+            <a:off x="3049543" y="3107724"/>
+            <a:ext cx="5353051" cy="3327400"/>
+          </a:xfrm>
+          <a:prstGeom prst="rect">
+            <a:avLst/>
+          </a:prstGeom>
+        </p:spPr>
+      </p:pic>
+    </p:spTree>
+    <p:extLst>
+      <p:ext uri="{BB962C8B-B14F-4D97-AF65-F5344CB8AC3E}">
+        <p14:creationId xmlns:p14="http://schemas.microsoft.com/office/powerpoint/2010/main" val="1488924232"/>
+      </p:ext>
+    </p:extLst>
+  </p:cSld>
+  <p:clrMapOvr>
+    <a:masterClrMapping/>
+  </p:clrMapOvr>
+</p:sld>
+</file>
+
+<file path=ppt/slides/slide21.xml><?xml version="1.0" encoding="utf-8"?>
+<p:sld xmlns:a="http://schemas.openxmlformats.org/drawingml/2006/main" xmlns:r="http://schemas.openxmlformats.org/officeDocument/2006/relationships" xmlns:p="http://schemas.openxmlformats.org/presentationml/2006/main">
+  <p:cSld>
+    <p:spTree>
+      <p:nvGrpSpPr>
+        <p:cNvPr id="1" name=""/>
+        <p:cNvGrpSpPr/>
+        <p:nvPr/>
+      </p:nvGrpSpPr>
+      <p:grpSpPr>
+        <a:xfrm>
+          <a:off x="0" y="0"/>
+          <a:ext cx="0" cy="0"/>
+          <a:chOff x="0" y="0"/>
+          <a:chExt cx="0" cy="0"/>
+        </a:xfrm>
+      </p:grpSpPr>
+      <p:pic>
+        <p:nvPicPr>
+          <p:cNvPr id="4" name="Picture 3" descr="Vector background of vibrant colors splashing">
+            <a:extLst>
+              <a:ext uri="{FF2B5EF4-FFF2-40B4-BE49-F238E27FC236}">
+                <a16:creationId xmlns:a16="http://schemas.microsoft.com/office/drawing/2014/main" id="{FCDEC43F-7752-C904-A16C-95DBC306F1B9}"/>
+              </a:ext>
+            </a:extLst>
+          </p:cNvPr>
+          <p:cNvPicPr>
+            <a:picLocks noChangeAspect="1"/>
+          </p:cNvPicPr>
+          <p:nvPr/>
+        </p:nvPicPr>
+        <p:blipFill rotWithShape="1">
+          <a:blip r:embed="rId2">
+            <a:alphaModFix amt="20000"/>
+          </a:blip>
+          <a:srcRect t="17259" r="-1" b="-1"/>
+          <a:stretch/>
+        </p:blipFill>
+        <p:spPr>
+          <a:xfrm>
+            <a:off x="3048" y="10"/>
+            <a:ext cx="12188952" cy="6857990"/>
+          </a:xfrm>
+          <a:prstGeom prst="rect">
+            <a:avLst/>
+          </a:prstGeom>
+        </p:spPr>
+      </p:pic>
+      <p:sp>
+        <p:nvSpPr>
+          <p:cNvPr id="2" name="Title 1">
+            <a:extLst>
+              <a:ext uri="{FF2B5EF4-FFF2-40B4-BE49-F238E27FC236}">
+                <a16:creationId xmlns:a16="http://schemas.microsoft.com/office/drawing/2014/main" id="{15D72DF3-4799-1F43-9B12-8F509D7C7B9B}"/>
+              </a:ext>
+            </a:extLst>
+          </p:cNvPr>
+          <p:cNvSpPr>
+            <a:spLocks noGrp="1"/>
+          </p:cNvSpPr>
+          <p:nvPr>
+            <p:ph type="ctrTitle"/>
+          </p:nvPr>
+        </p:nvSpPr>
+        <p:spPr>
+          <a:xfrm>
+            <a:off x="1524000" y="630194"/>
+            <a:ext cx="9144000" cy="606125"/>
+          </a:xfrm>
+        </p:spPr>
+        <p:txBody>
+          <a:bodyPr>
+            <a:normAutofit/>
+          </a:bodyPr>
+          <a:lstStyle/>
+          <a:p>
+            <a:pPr>
+              <a:buClr>
+                <a:schemeClr val="tx1"/>
+              </a:buClr>
+            </a:pPr>
+            <a:r>
+              <a:rPr lang="en-US" sz="3200" dirty="0">
+                <a:solidFill>
+                  <a:schemeClr val="tx1"/>
+                </a:solidFill>
+              </a:rPr>
+              <a:t>Random Forest</a:t>
+            </a:r>
+          </a:p>
+        </p:txBody>
+      </p:sp>
+      <p:sp>
+        <p:nvSpPr>
+          <p:cNvPr id="3" name="Subtitle 2">
+            <a:extLst>
+              <a:ext uri="{FF2B5EF4-FFF2-40B4-BE49-F238E27FC236}">
+                <a16:creationId xmlns:a16="http://schemas.microsoft.com/office/drawing/2014/main" id="{EAC6D91B-216D-D748-A1EF-021C52877CAC}"/>
+              </a:ext>
+            </a:extLst>
+          </p:cNvPr>
+          <p:cNvSpPr>
+            <a:spLocks noGrp="1"/>
+          </p:cNvSpPr>
+          <p:nvPr>
+            <p:ph type="subTitle" idx="1"/>
+          </p:nvPr>
+        </p:nvSpPr>
+        <p:spPr>
+          <a:xfrm>
+            <a:off x="1524000" y="1402534"/>
+            <a:ext cx="9144000" cy="4318643"/>
+          </a:xfrm>
+        </p:spPr>
+        <p:txBody>
+          <a:bodyPr>
+            <a:normAutofit/>
+          </a:bodyPr>
+          <a:lstStyle/>
+          <a:p>
+            <a:pPr marL="342900" indent="-342900" algn="l">
+              <a:buClr>
+                <a:schemeClr val="tx1"/>
+              </a:buClr>
+              <a:buFont typeface="Arial" panose="020B0604020202020204" pitchFamily="34" charset="0"/>
+              <a:buChar char="•"/>
+            </a:pPr>
+            <a:r>
+              <a:rPr lang="en-US" sz="2000" dirty="0">
+                <a:solidFill>
+                  <a:schemeClr val="tx1"/>
+                </a:solidFill>
+              </a:rPr>
+              <a:t>2,500 accounts were tested for  the Bank Customer Churn Prediction</a:t>
+            </a:r>
+          </a:p>
+          <a:p>
+            <a:pPr marL="342900" indent="-342900" algn="l">
+              <a:buClr>
+                <a:schemeClr val="tx1"/>
+              </a:buClr>
+              <a:buFont typeface="Arial" panose="020B0604020202020204" pitchFamily="34" charset="0"/>
+              <a:buChar char="•"/>
+            </a:pPr>
+            <a:r>
+              <a:rPr lang="en-US" sz="2000" dirty="0">
+                <a:solidFill>
+                  <a:schemeClr val="tx1"/>
+                </a:solidFill>
+              </a:rPr>
+              <a:t>The classifier of KNN model predicted 2,003 accounts to have tested positive and the rest 497 as negative.</a:t>
+            </a:r>
+          </a:p>
+          <a:p>
+            <a:pPr marL="342900" indent="-342900" algn="l">
+              <a:buClr>
+                <a:schemeClr val="tx1"/>
+              </a:buClr>
+              <a:buFont typeface="Arial" panose="020B0604020202020204" pitchFamily="34" charset="0"/>
+              <a:buChar char="•"/>
+            </a:pPr>
+            <a:r>
+              <a:rPr lang="en-US" sz="2000" dirty="0">
+                <a:solidFill>
+                  <a:schemeClr val="tx1"/>
+                </a:solidFill>
+              </a:rPr>
+              <a:t>However, 2,197 accounts tested positive and 303 tested negative.</a:t>
+            </a:r>
+          </a:p>
+          <a:p>
+            <a:endParaRPr lang="en-US" sz="2200" dirty="0">
+              <a:solidFill>
+                <a:srgbClr val="FFFFFF"/>
+              </a:solidFill>
+            </a:endParaRPr>
+          </a:p>
+        </p:txBody>
+      </p:sp>
+      <p:pic>
+        <p:nvPicPr>
+          <p:cNvPr id="6" name="Picture 5">
+            <a:extLst>
+              <a:ext uri="{FF2B5EF4-FFF2-40B4-BE49-F238E27FC236}">
+                <a16:creationId xmlns:a16="http://schemas.microsoft.com/office/drawing/2014/main" id="{59BF3DB1-91B5-AB45-BFD9-5F97F600216B}"/>
+              </a:ext>
+            </a:extLst>
+          </p:cNvPr>
+          <p:cNvPicPr>
+            <a:picLocks noChangeAspect="1"/>
+          </p:cNvPicPr>
+          <p:nvPr/>
+        </p:nvPicPr>
+        <p:blipFill>
+          <a:blip r:embed="rId3"/>
+          <a:stretch>
+            <a:fillRect/>
+          </a:stretch>
+        </p:blipFill>
+        <p:spPr>
+          <a:xfrm>
+            <a:off x="2955879" y="3083010"/>
+            <a:ext cx="5353051" cy="3327400"/>
+          </a:xfrm>
+          <a:prstGeom prst="rect">
+            <a:avLst/>
+          </a:prstGeom>
+        </p:spPr>
+      </p:pic>
+    </p:spTree>
+    <p:extLst>
+      <p:ext uri="{BB962C8B-B14F-4D97-AF65-F5344CB8AC3E}">
+        <p14:creationId xmlns:p14="http://schemas.microsoft.com/office/powerpoint/2010/main" val="2456385375"/>
+      </p:ext>
+    </p:extLst>
+  </p:cSld>
+  <p:clrMapOvr>
+    <a:masterClrMapping/>
+  </p:clrMapOvr>
+</p:sld>
+</file>
+
+<file path=ppt/slides/slide22.xml><?xml version="1.0" encoding="utf-8"?>
+<p:sld xmlns:a="http://schemas.openxmlformats.org/drawingml/2006/main" xmlns:r="http://schemas.openxmlformats.org/officeDocument/2006/relationships" xmlns:p="http://schemas.openxmlformats.org/presentationml/2006/main">
+  <p:cSld>
+    <p:spTree>
+      <p:nvGrpSpPr>
+        <p:cNvPr id="1" name=""/>
+        <p:cNvGrpSpPr/>
+        <p:nvPr/>
+      </p:nvGrpSpPr>
+      <p:grpSpPr>
+        <a:xfrm>
+          <a:off x="0" y="0"/>
+          <a:ext cx="0" cy="0"/>
+          <a:chOff x="0" y="0"/>
+          <a:chExt cx="0" cy="0"/>
+        </a:xfrm>
+      </p:grpSpPr>
+      <p:pic>
+        <p:nvPicPr>
+          <p:cNvPr id="4" name="Picture 3" descr="Vector background of vibrant colors splashing">
+            <a:extLst>
+              <a:ext uri="{FF2B5EF4-FFF2-40B4-BE49-F238E27FC236}">
+                <a16:creationId xmlns:a16="http://schemas.microsoft.com/office/drawing/2014/main" id="{FCDEC43F-7752-C904-A16C-95DBC306F1B9}"/>
+              </a:ext>
+            </a:extLst>
+          </p:cNvPr>
+          <p:cNvPicPr>
+            <a:picLocks noChangeAspect="1"/>
+          </p:cNvPicPr>
+          <p:nvPr/>
+        </p:nvPicPr>
+        <p:blipFill rotWithShape="1">
+          <a:blip r:embed="rId2">
+            <a:alphaModFix amt="20000"/>
+          </a:blip>
+          <a:srcRect t="17259" r="-1" b="-1"/>
+          <a:stretch/>
+        </p:blipFill>
+        <p:spPr>
+          <a:xfrm>
+            <a:off x="3048" y="10"/>
+            <a:ext cx="12188952" cy="6857990"/>
+          </a:xfrm>
+          <a:prstGeom prst="rect">
+            <a:avLst/>
+          </a:prstGeom>
+        </p:spPr>
+      </p:pic>
+      <p:sp>
+        <p:nvSpPr>
+          <p:cNvPr id="2" name="Title 1">
+            <a:extLst>
+              <a:ext uri="{FF2B5EF4-FFF2-40B4-BE49-F238E27FC236}">
+                <a16:creationId xmlns:a16="http://schemas.microsoft.com/office/drawing/2014/main" id="{15D72DF3-4799-1F43-9B12-8F509D7C7B9B}"/>
+              </a:ext>
+            </a:extLst>
+          </p:cNvPr>
+          <p:cNvSpPr>
+            <a:spLocks noGrp="1"/>
+          </p:cNvSpPr>
+          <p:nvPr>
+            <p:ph type="ctrTitle"/>
+          </p:nvPr>
+        </p:nvSpPr>
+        <p:spPr>
+          <a:xfrm>
+            <a:off x="1522474" y="720725"/>
+            <a:ext cx="9144000" cy="879475"/>
+          </a:xfrm>
+        </p:spPr>
+        <p:txBody>
+          <a:bodyPr>
+            <a:noAutofit/>
+          </a:bodyPr>
+          <a:lstStyle/>
+          <a:p>
+            <a:r>
+              <a:rPr lang="en-US" sz="3200" dirty="0">
+                <a:solidFill>
+                  <a:schemeClr val="tx1"/>
+                </a:solidFill>
+              </a:rPr>
+              <a:t>Final Recommendation </a:t>
+            </a:r>
+            <a:br>
+              <a:rPr lang="en-US" sz="3200" dirty="0">
+                <a:solidFill>
+                  <a:schemeClr val="tx1"/>
+                </a:solidFill>
+              </a:rPr>
+            </a:br>
+            <a:endParaRPr lang="en-US" sz="3200" dirty="0">
+              <a:solidFill>
+                <a:srgbClr val="FFFFFF"/>
+              </a:solidFill>
+            </a:endParaRPr>
+          </a:p>
+        </p:txBody>
+      </p:sp>
+      <p:sp>
+        <p:nvSpPr>
+          <p:cNvPr id="3" name="Subtitle 2">
+            <a:extLst>
+              <a:ext uri="{FF2B5EF4-FFF2-40B4-BE49-F238E27FC236}">
+                <a16:creationId xmlns:a16="http://schemas.microsoft.com/office/drawing/2014/main" id="{EAC6D91B-216D-D748-A1EF-021C52877CAC}"/>
+              </a:ext>
+            </a:extLst>
+          </p:cNvPr>
+          <p:cNvSpPr>
+            <a:spLocks noGrp="1"/>
+          </p:cNvSpPr>
+          <p:nvPr>
+            <p:ph type="subTitle" idx="1"/>
+          </p:nvPr>
+        </p:nvSpPr>
+        <p:spPr>
+          <a:xfrm>
+            <a:off x="1522474" y="1906025"/>
+            <a:ext cx="9144000" cy="2616548"/>
+          </a:xfrm>
+        </p:spPr>
+        <p:txBody>
+          <a:bodyPr>
+            <a:noAutofit/>
+          </a:bodyPr>
+          <a:lstStyle/>
+          <a:p>
+            <a:pPr algn="l"/>
+            <a:r>
+              <a:rPr lang="en-US" sz="2000" b="0" i="0" dirty="0">
+                <a:solidFill>
+                  <a:schemeClr val="tx1"/>
+                </a:solidFill>
+                <a:effectLst/>
+                <a:latin typeface="Roboto" panose="02000000000000000000" pitchFamily="2" charset="0"/>
+                <a:ea typeface="Roboto" panose="02000000000000000000" pitchFamily="2" charset="0"/>
+              </a:rPr>
+              <a:t>K </a:t>
+            </a:r>
+            <a:r>
+              <a:rPr lang="en-US" sz="2000" b="0" i="0" dirty="0" err="1">
+                <a:solidFill>
+                  <a:schemeClr val="tx1"/>
+                </a:solidFill>
+                <a:effectLst/>
+                <a:latin typeface="Roboto" panose="02000000000000000000" pitchFamily="2" charset="0"/>
+                <a:ea typeface="Roboto" panose="02000000000000000000" pitchFamily="2" charset="0"/>
+              </a:rPr>
+              <a:t>cfvxΩ</a:t>
+            </a:r>
+            <a:endParaRPr lang="en-US" sz="2000" dirty="0">
+              <a:solidFill>
+                <a:schemeClr val="tx1"/>
+              </a:solidFill>
+              <a:latin typeface="Roboto" panose="02000000000000000000" pitchFamily="2" charset="0"/>
+              <a:ea typeface="Roboto" panose="02000000000000000000" pitchFamily="2" charset="0"/>
+            </a:endParaRPr>
+          </a:p>
+        </p:txBody>
+      </p:sp>
+    </p:spTree>
+    <p:extLst>
+      <p:ext uri="{BB962C8B-B14F-4D97-AF65-F5344CB8AC3E}">
+        <p14:creationId xmlns:p14="http://schemas.microsoft.com/office/powerpoint/2010/main" val="1415891159"/>
+      </p:ext>
+    </p:extLst>
+  </p:cSld>
+  <p:clrMapOvr>
+    <a:masterClrMapping/>
+  </p:clrMapOvr>
+</p:sld>
+</file>
+
+<file path=ppt/slides/slide23.xml><?xml version="1.0" encoding="utf-8"?>
+<p:sld xmlns:a="http://schemas.openxmlformats.org/drawingml/2006/main" xmlns:r="http://schemas.openxmlformats.org/officeDocument/2006/relationships" xmlns:p="http://schemas.openxmlformats.org/presentationml/2006/main">
+  <p:cSld>
+    <p:spTree>
+      <p:nvGrpSpPr>
+        <p:cNvPr id="1" name=""/>
+        <p:cNvGrpSpPr/>
+        <p:nvPr/>
+      </p:nvGrpSpPr>
+      <p:grpSpPr>
+        <a:xfrm>
+          <a:off x="0" y="0"/>
+          <a:ext cx="0" cy="0"/>
+          <a:chOff x="0" y="0"/>
+          <a:chExt cx="0" cy="0"/>
+        </a:xfrm>
+      </p:grpSpPr>
+      <p:pic>
+        <p:nvPicPr>
+          <p:cNvPr id="4" name="Picture 3" descr="Vector background of vibrant colors splashing">
+            <a:extLst>
+              <a:ext uri="{FF2B5EF4-FFF2-40B4-BE49-F238E27FC236}">
+                <a16:creationId xmlns:a16="http://schemas.microsoft.com/office/drawing/2014/main" id="{FCDEC43F-7752-C904-A16C-95DBC306F1B9}"/>
+              </a:ext>
+            </a:extLst>
+          </p:cNvPr>
+          <p:cNvPicPr>
+            <a:picLocks noChangeAspect="1"/>
+          </p:cNvPicPr>
+          <p:nvPr/>
+        </p:nvPicPr>
+        <p:blipFill rotWithShape="1">
+          <a:blip r:embed="rId2">
+            <a:alphaModFix amt="20000"/>
+          </a:blip>
+          <a:srcRect t="17259" r="-1" b="-1"/>
+          <a:stretch/>
+        </p:blipFill>
+        <p:spPr>
+          <a:xfrm>
+            <a:off x="-2" y="10"/>
+            <a:ext cx="12188952" cy="6857990"/>
+          </a:xfrm>
+          <a:prstGeom prst="rect">
+            <a:avLst/>
+          </a:prstGeom>
+        </p:spPr>
+      </p:pic>
+      <p:sp>
+        <p:nvSpPr>
+          <p:cNvPr id="2" name="Title 1">
+            <a:extLst>
+              <a:ext uri="{FF2B5EF4-FFF2-40B4-BE49-F238E27FC236}">
+                <a16:creationId xmlns:a16="http://schemas.microsoft.com/office/drawing/2014/main" id="{15D72DF3-4799-1F43-9B12-8F509D7C7B9B}"/>
+              </a:ext>
+            </a:extLst>
+          </p:cNvPr>
+          <p:cNvSpPr>
+            <a:spLocks noGrp="1"/>
+          </p:cNvSpPr>
+          <p:nvPr>
+            <p:ph type="ctrTitle"/>
+          </p:nvPr>
+        </p:nvSpPr>
+        <p:spPr>
+          <a:xfrm>
+            <a:off x="1524000" y="1122363"/>
+            <a:ext cx="9144000" cy="2387600"/>
+          </a:xfrm>
+        </p:spPr>
+        <p:txBody>
+          <a:bodyPr>
+            <a:normAutofit/>
+          </a:bodyPr>
+          <a:lstStyle/>
+          <a:p>
+            <a:r>
+              <a:rPr lang="en-US" dirty="0">
+                <a:solidFill>
+                  <a:schemeClr val="tx1"/>
+                </a:solidFill>
+              </a:rPr>
+              <a:t>Thank You</a:t>
+            </a:r>
+            <a:br>
+              <a:rPr lang="en-US" dirty="0">
+                <a:solidFill>
+                  <a:srgbClr val="FFFFFF"/>
+                </a:solidFill>
+              </a:rPr>
+            </a:br>
+            <a:endParaRPr lang="en-US" dirty="0">
+              <a:solidFill>
+                <a:srgbClr val="FFFFFF"/>
+              </a:solidFill>
+            </a:endParaRPr>
+          </a:p>
+        </p:txBody>
+      </p:sp>
+      <p:sp>
+        <p:nvSpPr>
+          <p:cNvPr id="3" name="Subtitle 2">
+            <a:extLst>
+              <a:ext uri="{FF2B5EF4-FFF2-40B4-BE49-F238E27FC236}">
+                <a16:creationId xmlns:a16="http://schemas.microsoft.com/office/drawing/2014/main" id="{EAC6D91B-216D-D748-A1EF-021C52877CAC}"/>
+              </a:ext>
+            </a:extLst>
+          </p:cNvPr>
+          <p:cNvSpPr>
+            <a:spLocks noGrp="1"/>
+          </p:cNvSpPr>
+          <p:nvPr>
+            <p:ph type="subTitle" idx="1"/>
+          </p:nvPr>
+        </p:nvSpPr>
+        <p:spPr>
+          <a:xfrm>
+            <a:off x="1524000" y="3602038"/>
+            <a:ext cx="9144000" cy="1655762"/>
+          </a:xfrm>
+        </p:spPr>
+        <p:txBody>
+          <a:bodyPr>
+            <a:normAutofit/>
+          </a:bodyPr>
+          <a:lstStyle/>
+          <a:p>
+            <a:r>
+              <a:rPr lang="en-US" altLang="ko-KR" sz="2200" dirty="0">
+                <a:solidFill>
+                  <a:schemeClr val="tx1"/>
+                </a:solidFill>
+              </a:rPr>
+              <a:t>-THE END-</a:t>
+            </a:r>
+            <a:endParaRPr lang="en-US" sz="2200" dirty="0">
+              <a:solidFill>
+                <a:schemeClr val="tx1"/>
+              </a:solidFill>
+            </a:endParaRPr>
+          </a:p>
+        </p:txBody>
+      </p:sp>
+    </p:spTree>
+    <p:extLst>
+      <p:ext uri="{BB962C8B-B14F-4D97-AF65-F5344CB8AC3E}">
+        <p14:creationId xmlns:p14="http://schemas.microsoft.com/office/powerpoint/2010/main" val="4024359523"/>
+      </p:ext>
+    </p:extLst>
+  </p:cSld>
+  <p:clrMapOvr>
+    <a:masterClrMapping/>
+  </p:clrMapOvr>
+</p:sld>
+</file>
+
+<file path=ppt/slides/slide24.xml><?xml version="1.0" encoding="utf-8"?>
+<p:sld xmlns:a="http://schemas.openxmlformats.org/drawingml/2006/main" xmlns:r="http://schemas.openxmlformats.org/officeDocument/2006/relationships" xmlns:p="http://schemas.openxmlformats.org/presentationml/2006/main">
+  <p:cSld>
+    <p:spTree>
+      <p:nvGrpSpPr>
+        <p:cNvPr id="1" name=""/>
+        <p:cNvGrpSpPr/>
+        <p:nvPr/>
+      </p:nvGrpSpPr>
+      <p:grpSpPr>
+        <a:xfrm>
+          <a:off x="0" y="0"/>
+          <a:ext cx="0" cy="0"/>
+          <a:chOff x="0" y="0"/>
+          <a:chExt cx="0" cy="0"/>
+        </a:xfrm>
+      </p:grpSpPr>
+      <p:pic>
+        <p:nvPicPr>
+          <p:cNvPr id="4" name="Picture 3" descr="Vector background of vibrant colors splashing">
+            <a:extLst>
+              <a:ext uri="{FF2B5EF4-FFF2-40B4-BE49-F238E27FC236}">
+                <a16:creationId xmlns:a16="http://schemas.microsoft.com/office/drawing/2014/main" id="{FCDEC43F-7752-C904-A16C-95DBC306F1B9}"/>
+              </a:ext>
+            </a:extLst>
+          </p:cNvPr>
+          <p:cNvPicPr>
+            <a:picLocks noChangeAspect="1"/>
+          </p:cNvPicPr>
+          <p:nvPr/>
+        </p:nvPicPr>
+        <p:blipFill rotWithShape="1">
+          <a:blip r:embed="rId2">
+            <a:alphaModFix amt="20000"/>
+          </a:blip>
+          <a:srcRect t="17259" r="-1" b="-1"/>
+          <a:stretch/>
+        </p:blipFill>
+        <p:spPr>
+          <a:xfrm>
+            <a:off x="-2" y="10"/>
+            <a:ext cx="12188952" cy="6857990"/>
+          </a:xfrm>
+          <a:prstGeom prst="rect">
+            <a:avLst/>
+          </a:prstGeom>
+        </p:spPr>
+      </p:pic>
+      <p:sp>
+        <p:nvSpPr>
+          <p:cNvPr id="2" name="Title 1">
+            <a:extLst>
+              <a:ext uri="{FF2B5EF4-FFF2-40B4-BE49-F238E27FC236}">
+                <a16:creationId xmlns:a16="http://schemas.microsoft.com/office/drawing/2014/main" id="{15D72DF3-4799-1F43-9B12-8F509D7C7B9B}"/>
+              </a:ext>
+            </a:extLst>
+          </p:cNvPr>
+          <p:cNvSpPr>
+            <a:spLocks noGrp="1"/>
+          </p:cNvSpPr>
+          <p:nvPr>
+            <p:ph type="ctrTitle"/>
+          </p:nvPr>
+        </p:nvSpPr>
+        <p:spPr>
+          <a:xfrm>
+            <a:off x="1524000" y="1122363"/>
+            <a:ext cx="9144000" cy="2387600"/>
+          </a:xfrm>
+        </p:spPr>
+        <p:txBody>
+          <a:bodyPr>
+            <a:normAutofit/>
+          </a:bodyPr>
+          <a:lstStyle/>
+          <a:p>
+            <a:endParaRPr lang="en-US">
+              <a:solidFill>
+                <a:srgbClr val="FFFFFF"/>
+              </a:solidFill>
+            </a:endParaRPr>
+          </a:p>
+        </p:txBody>
+      </p:sp>
+      <p:sp>
+        <p:nvSpPr>
+          <p:cNvPr id="3" name="Subtitle 2">
+            <a:extLst>
+              <a:ext uri="{FF2B5EF4-FFF2-40B4-BE49-F238E27FC236}">
+                <a16:creationId xmlns:a16="http://schemas.microsoft.com/office/drawing/2014/main" id="{EAC6D91B-216D-D748-A1EF-021C52877CAC}"/>
+              </a:ext>
+            </a:extLst>
+          </p:cNvPr>
+          <p:cNvSpPr>
+            <a:spLocks noGrp="1"/>
+          </p:cNvSpPr>
+          <p:nvPr>
+            <p:ph type="subTitle" idx="1"/>
+          </p:nvPr>
+        </p:nvSpPr>
+        <p:spPr>
+          <a:xfrm>
+            <a:off x="1524000" y="3602038"/>
+            <a:ext cx="9144000" cy="1655762"/>
+          </a:xfrm>
+        </p:spPr>
+        <p:txBody>
+          <a:bodyPr>
+            <a:normAutofit/>
+          </a:bodyPr>
+          <a:lstStyle/>
+          <a:p>
+            <a:endParaRPr lang="en-US" sz="2200">
+              <a:solidFill>
+                <a:srgbClr val="FFFFFF"/>
+              </a:solidFill>
+            </a:endParaRPr>
+          </a:p>
+        </p:txBody>
+      </p:sp>
+    </p:spTree>
+    <p:extLst>
+      <p:ext uri="{BB962C8B-B14F-4D97-AF65-F5344CB8AC3E}">
+        <p14:creationId xmlns:p14="http://schemas.microsoft.com/office/powerpoint/2010/main" val="2622772270"/>
+      </p:ext>
+    </p:extLst>
+  </p:cSld>
+  <p:clrMapOvr>
+    <a:masterClrMapping/>
+  </p:clrMapOvr>
+</p:sld>
+</file>
+
+<file path=ppt/slides/slide25.xml><?xml version="1.0" encoding="utf-8"?>
+<p:sld xmlns:a="http://schemas.openxmlformats.org/drawingml/2006/main" xmlns:r="http://schemas.openxmlformats.org/officeDocument/2006/relationships" xmlns:p="http://schemas.openxmlformats.org/presentationml/2006/main">
+  <p:cSld>
+    <p:spTree>
+      <p:nvGrpSpPr>
+        <p:cNvPr id="1" name=""/>
+        <p:cNvGrpSpPr/>
+        <p:nvPr/>
+      </p:nvGrpSpPr>
+      <p:grpSpPr>
+        <a:xfrm>
+          <a:off x="0" y="0"/>
+          <a:ext cx="0" cy="0"/>
+          <a:chOff x="0" y="0"/>
+          <a:chExt cx="0" cy="0"/>
+        </a:xfrm>
+      </p:grpSpPr>
+      <p:pic>
+        <p:nvPicPr>
+          <p:cNvPr id="4" name="Picture 3" descr="Vector background of vibrant colors splashing">
+            <a:extLst>
+              <a:ext uri="{FF2B5EF4-FFF2-40B4-BE49-F238E27FC236}">
+                <a16:creationId xmlns:a16="http://schemas.microsoft.com/office/drawing/2014/main" id="{FCDEC43F-7752-C904-A16C-95DBC306F1B9}"/>
+              </a:ext>
+            </a:extLst>
+          </p:cNvPr>
+          <p:cNvPicPr>
+            <a:picLocks noChangeAspect="1"/>
+          </p:cNvPicPr>
+          <p:nvPr/>
+        </p:nvPicPr>
+        <p:blipFill rotWithShape="1">
+          <a:blip r:embed="rId2">
+            <a:alphaModFix amt="20000"/>
+          </a:blip>
+          <a:srcRect t="17259" r="-1" b="-1"/>
+          <a:stretch/>
+        </p:blipFill>
+        <p:spPr>
+          <a:xfrm>
+            <a:off x="-2" y="10"/>
+            <a:ext cx="12188952" cy="6857990"/>
+          </a:xfrm>
+          <a:prstGeom prst="rect">
+            <a:avLst/>
+          </a:prstGeom>
+        </p:spPr>
+      </p:pic>
+      <p:sp>
+        <p:nvSpPr>
+          <p:cNvPr id="2" name="Title 1">
+            <a:extLst>
+              <a:ext uri="{FF2B5EF4-FFF2-40B4-BE49-F238E27FC236}">
+                <a16:creationId xmlns:a16="http://schemas.microsoft.com/office/drawing/2014/main" id="{15D72DF3-4799-1F43-9B12-8F509D7C7B9B}"/>
+              </a:ext>
+            </a:extLst>
+          </p:cNvPr>
+          <p:cNvSpPr>
+            <a:spLocks noGrp="1"/>
+          </p:cNvSpPr>
+          <p:nvPr>
+            <p:ph type="ctrTitle"/>
+          </p:nvPr>
+        </p:nvSpPr>
+        <p:spPr>
+          <a:xfrm>
+            <a:off x="1524000" y="1122363"/>
+            <a:ext cx="9144000" cy="2387600"/>
+          </a:xfrm>
+        </p:spPr>
+        <p:txBody>
+          <a:bodyPr>
+            <a:normAutofit/>
+          </a:bodyPr>
+          <a:lstStyle/>
+          <a:p>
+            <a:endParaRPr lang="en-US">
+              <a:solidFill>
+                <a:srgbClr val="FFFFFF"/>
+              </a:solidFill>
+            </a:endParaRPr>
+          </a:p>
+        </p:txBody>
+      </p:sp>
+      <p:sp>
+        <p:nvSpPr>
+          <p:cNvPr id="3" name="Subtitle 2">
+            <a:extLst>
+              <a:ext uri="{FF2B5EF4-FFF2-40B4-BE49-F238E27FC236}">
+                <a16:creationId xmlns:a16="http://schemas.microsoft.com/office/drawing/2014/main" id="{EAC6D91B-216D-D748-A1EF-021C52877CAC}"/>
+              </a:ext>
+            </a:extLst>
+          </p:cNvPr>
+          <p:cNvSpPr>
+            <a:spLocks noGrp="1"/>
+          </p:cNvSpPr>
+          <p:nvPr>
+            <p:ph type="subTitle" idx="1"/>
+          </p:nvPr>
+        </p:nvSpPr>
+        <p:spPr>
+          <a:xfrm>
+            <a:off x="1524000" y="3602038"/>
+            <a:ext cx="9144000" cy="1655762"/>
+          </a:xfrm>
+        </p:spPr>
+        <p:txBody>
+          <a:bodyPr>
+            <a:normAutofit/>
+          </a:bodyPr>
+          <a:lstStyle/>
+          <a:p>
+            <a:endParaRPr lang="en-US" sz="2200">
+              <a:solidFill>
+                <a:srgbClr val="FFFFFF"/>
+              </a:solidFill>
+            </a:endParaRPr>
+          </a:p>
+        </p:txBody>
+      </p:sp>
+    </p:spTree>
+    <p:extLst>
+      <p:ext uri="{BB962C8B-B14F-4D97-AF65-F5344CB8AC3E}">
+        <p14:creationId xmlns:p14="http://schemas.microsoft.com/office/powerpoint/2010/main" val="1254855414"/>
+      </p:ext>
+    </p:extLst>
+  </p:cSld>
+  <p:clrMapOvr>
+    <a:masterClrMapping/>
+  </p:clrMapOvr>
+</p:sld>
+</file>
+
+<file path=ppt/slides/slide26.xml><?xml version="1.0" encoding="utf-8"?>
+<p:sld xmlns:a="http://schemas.openxmlformats.org/drawingml/2006/main" xmlns:r="http://schemas.openxmlformats.org/officeDocument/2006/relationships" xmlns:p="http://schemas.openxmlformats.org/presentationml/2006/main">
+  <p:cSld>
+    <p:spTree>
+      <p:nvGrpSpPr>
+        <p:cNvPr id="1" name=""/>
+        <p:cNvGrpSpPr/>
+        <p:nvPr/>
+      </p:nvGrpSpPr>
+      <p:grpSpPr>
+        <a:xfrm>
+          <a:off x="0" y="0"/>
+          <a:ext cx="0" cy="0"/>
+          <a:chOff x="0" y="0"/>
+          <a:chExt cx="0" cy="0"/>
+        </a:xfrm>
+      </p:grpSpPr>
+      <p:pic>
+        <p:nvPicPr>
+          <p:cNvPr id="4" name="Picture 3" descr="Vector background of vibrant colors splashing">
+            <a:extLst>
+              <a:ext uri="{FF2B5EF4-FFF2-40B4-BE49-F238E27FC236}">
+                <a16:creationId xmlns:a16="http://schemas.microsoft.com/office/drawing/2014/main" id="{FCDEC43F-7752-C904-A16C-95DBC306F1B9}"/>
+              </a:ext>
+            </a:extLst>
+          </p:cNvPr>
+          <p:cNvPicPr>
+            <a:picLocks noChangeAspect="1"/>
+          </p:cNvPicPr>
+          <p:nvPr/>
+        </p:nvPicPr>
+        <p:blipFill rotWithShape="1">
+          <a:blip r:embed="rId2">
+            <a:alphaModFix amt="20000"/>
+          </a:blip>
+          <a:srcRect t="17259" r="-1" b="-1"/>
+          <a:stretch/>
+        </p:blipFill>
+        <p:spPr>
+          <a:xfrm>
+            <a:off x="-2" y="10"/>
+            <a:ext cx="12188952" cy="6857990"/>
+          </a:xfrm>
+          <a:prstGeom prst="rect">
+            <a:avLst/>
+          </a:prstGeom>
+        </p:spPr>
+      </p:pic>
+      <p:sp>
+        <p:nvSpPr>
+          <p:cNvPr id="2" name="Title 1">
+            <a:extLst>
+              <a:ext uri="{FF2B5EF4-FFF2-40B4-BE49-F238E27FC236}">
+                <a16:creationId xmlns:a16="http://schemas.microsoft.com/office/drawing/2014/main" id="{15D72DF3-4799-1F43-9B12-8F509D7C7B9B}"/>
+              </a:ext>
+            </a:extLst>
+          </p:cNvPr>
+          <p:cNvSpPr>
+            <a:spLocks noGrp="1"/>
+          </p:cNvSpPr>
+          <p:nvPr>
+            <p:ph type="ctrTitle"/>
+          </p:nvPr>
+        </p:nvSpPr>
+        <p:spPr>
+          <a:xfrm>
+            <a:off x="1524000" y="1122363"/>
+            <a:ext cx="9144000" cy="2387600"/>
+          </a:xfrm>
+        </p:spPr>
+        <p:txBody>
+          <a:bodyPr>
+            <a:normAutofit/>
+          </a:bodyPr>
+          <a:lstStyle/>
+          <a:p>
+            <a:endParaRPr lang="en-US">
+              <a:solidFill>
+                <a:srgbClr val="FFFFFF"/>
+              </a:solidFill>
+            </a:endParaRPr>
+          </a:p>
+        </p:txBody>
+      </p:sp>
+      <p:sp>
+        <p:nvSpPr>
+          <p:cNvPr id="3" name="Subtitle 2">
+            <a:extLst>
+              <a:ext uri="{FF2B5EF4-FFF2-40B4-BE49-F238E27FC236}">
+                <a16:creationId xmlns:a16="http://schemas.microsoft.com/office/drawing/2014/main" id="{EAC6D91B-216D-D748-A1EF-021C52877CAC}"/>
+              </a:ext>
+            </a:extLst>
+          </p:cNvPr>
+          <p:cNvSpPr>
+            <a:spLocks noGrp="1"/>
+          </p:cNvSpPr>
+          <p:nvPr>
+            <p:ph type="subTitle" idx="1"/>
+          </p:nvPr>
+        </p:nvSpPr>
+        <p:spPr>
+          <a:xfrm>
+            <a:off x="1524000" y="3602038"/>
+            <a:ext cx="9144000" cy="1655762"/>
+          </a:xfrm>
+        </p:spPr>
+        <p:txBody>
+          <a:bodyPr>
+            <a:normAutofit/>
+          </a:bodyPr>
+          <a:lstStyle/>
+          <a:p>
+            <a:endParaRPr lang="en-US" sz="2200">
+              <a:solidFill>
+                <a:srgbClr val="FFFFFF"/>
+              </a:solidFill>
+            </a:endParaRPr>
+          </a:p>
+        </p:txBody>
+      </p:sp>
+    </p:spTree>
+    <p:extLst>
+      <p:ext uri="{BB962C8B-B14F-4D97-AF65-F5344CB8AC3E}">
+        <p14:creationId xmlns:p14="http://schemas.microsoft.com/office/powerpoint/2010/main" val="755010265"/>
       </p:ext>
     </p:extLst>
   </p:cSld>
@@ -4478,7 +6667,7 @@
         </p:blipFill>
         <p:spPr>
           <a:xfrm>
-            <a:off x="-2" y="40854"/>
+            <a:off x="-2" y="10"/>
             <a:ext cx="12188952" cy="6857990"/>
           </a:xfrm>
           <a:prstGeom prst="rect">
@@ -4504,8 +6693,47 @@
         </p:nvSpPr>
         <p:spPr>
           <a:xfrm>
-            <a:off x="1522474" y="469556"/>
-            <a:ext cx="9144000" cy="725858"/>
+            <a:off x="1524000" y="1122363"/>
+            <a:ext cx="9144000" cy="285523"/>
+          </a:xfrm>
+        </p:spPr>
+        <p:txBody>
+          <a:bodyPr>
+            <a:noAutofit/>
+          </a:bodyPr>
+          <a:lstStyle/>
+          <a:p>
+            <a:r>
+              <a:rPr lang="en-US" sz="4000" b="1" dirty="0">
+                <a:solidFill>
+                  <a:schemeClr val="tx1"/>
+                </a:solidFill>
+              </a:rPr>
+              <a:t>Information of the Data </a:t>
+            </a:r>
+          </a:p>
+        </p:txBody>
+      </p:sp>
+      <p:sp>
+        <p:nvSpPr>
+          <p:cNvPr id="3" name="Subtitle 2">
+            <a:extLst>
+              <a:ext uri="{FF2B5EF4-FFF2-40B4-BE49-F238E27FC236}">
+                <a16:creationId xmlns:a16="http://schemas.microsoft.com/office/drawing/2014/main" id="{EAC6D91B-216D-D748-A1EF-021C52877CAC}"/>
+              </a:ext>
+            </a:extLst>
+          </p:cNvPr>
+          <p:cNvSpPr>
+            <a:spLocks noGrp="1"/>
+          </p:cNvSpPr>
+          <p:nvPr>
+            <p:ph type="subTitle" idx="1"/>
+          </p:nvPr>
+        </p:nvSpPr>
+        <p:spPr>
+          <a:xfrm>
+            <a:off x="1524000" y="1649300"/>
+            <a:ext cx="9144000" cy="3953214"/>
           </a:xfrm>
         </p:spPr>
         <p:txBody>
@@ -4514,51 +6742,7 @@
           </a:bodyPr>
           <a:lstStyle/>
           <a:p>
-            <a:r>
-              <a:rPr lang="en-US" sz="3500" dirty="0">
-                <a:solidFill>
-                  <a:schemeClr val="tx1"/>
-                </a:solidFill>
-              </a:rPr>
-              <a:t>Background of The Data</a:t>
-            </a:r>
-            <a:endParaRPr lang="en-US" sz="3500" dirty="0">
-              <a:solidFill>
-                <a:srgbClr val="FFFFFF"/>
-              </a:solidFill>
-            </a:endParaRPr>
-          </a:p>
-        </p:txBody>
-      </p:sp>
-      <p:sp>
-        <p:nvSpPr>
-          <p:cNvPr id="3" name="Subtitle 2">
-            <a:extLst>
-              <a:ext uri="{FF2B5EF4-FFF2-40B4-BE49-F238E27FC236}">
-                <a16:creationId xmlns:a16="http://schemas.microsoft.com/office/drawing/2014/main" id="{EAC6D91B-216D-D748-A1EF-021C52877CAC}"/>
-              </a:ext>
-            </a:extLst>
-          </p:cNvPr>
-          <p:cNvSpPr>
-            <a:spLocks noGrp="1"/>
-          </p:cNvSpPr>
-          <p:nvPr>
-            <p:ph type="subTitle" idx="1"/>
-          </p:nvPr>
-        </p:nvSpPr>
-        <p:spPr>
-          <a:xfrm>
-            <a:off x="1522474" y="1297503"/>
-            <a:ext cx="9144000" cy="2947086"/>
-          </a:xfrm>
-        </p:spPr>
-        <p:txBody>
-          <a:bodyPr>
-            <a:normAutofit fontScale="85000" lnSpcReduction="10000"/>
-          </a:bodyPr>
-          <a:lstStyle/>
-          <a:p>
-            <a:pPr marL="457200" indent="-457200" algn="l">
+            <a:pPr marL="285750" indent="-285750" algn="l">
               <a:buClr>
                 <a:schemeClr val="tx1"/>
               </a:buClr>
@@ -4566,18 +6750,18 @@
               <a:buChar char="•"/>
             </a:pPr>
             <a:r>
-              <a:rPr lang="en-US" sz="1900" b="0" i="0" dirty="0">
-                <a:solidFill>
-                  <a:srgbClr val="212121"/>
+              <a:rPr lang="en-US" sz="2000" b="0" dirty="0">
+                <a:solidFill>
+                  <a:srgbClr val="000000"/>
                 </a:solidFill>
                 <a:effectLst/>
-                <a:latin typeface="Roboto" panose="02000000000000000000" pitchFamily="2" charset="0"/>
-              </a:rPr>
-              <a:t>The task is to predict whether a bank customer will 'churn' or close their account. I think there has strong correlation between the target and the columns of Balance and Age</a:t>
-            </a:r>
-          </a:p>
-          <a:p>
-            <a:pPr marL="457200" indent="-457200" algn="l">
+                <a:latin typeface="Times" pitchFamily="2" charset="0"/>
+              </a:rPr>
+              <a:t>The task is to predict whether a bank customer will 'churn' or close their account. We can also call this data as Bank Customer Data for Predicting Customer Churn</a:t>
+            </a:r>
+          </a:p>
+          <a:p>
+            <a:pPr marL="285750" indent="-285750" algn="l">
               <a:buClr>
                 <a:schemeClr val="tx1"/>
               </a:buClr>
@@ -4585,18 +6769,17 @@
               <a:buChar char="•"/>
             </a:pPr>
             <a:r>
-              <a:rPr lang="en-US" sz="1900" b="0" i="0" dirty="0">
-                <a:solidFill>
-                  <a:srgbClr val="212121"/>
-                </a:solidFill>
-                <a:effectLst/>
-                <a:latin typeface="Roboto" panose="02000000000000000000" pitchFamily="2" charset="0"/>
-              </a:rPr>
-              <a:t>For the Churn vs Balance plot, it tells that Customer Churn has more average balance than who does not Customer Churn. This might be affected to the bank if they close their accounts. Therefore, the bank need to find a way to hold those Customer Churn.</a:t>
-            </a:r>
-          </a:p>
-          <a:p>
-            <a:pPr marL="457200" indent="-457200" algn="l">
+              <a:rPr lang="en-US" sz="2000" dirty="0">
+                <a:solidFill>
+                  <a:srgbClr val="000000"/>
+                </a:solidFill>
+                <a:latin typeface="Times" pitchFamily="2" charset="0"/>
+              </a:rPr>
+              <a:t>This data has credit score, country, gender, age, tenure, balance, product number, credit card, active member, estimated salary, and churn features.</a:t>
+            </a:r>
+          </a:p>
+          <a:p>
+            <a:pPr marL="285750" indent="-285750" algn="l">
               <a:buClr>
                 <a:schemeClr val="tx1"/>
               </a:buClr>
@@ -4604,64 +6787,114 @@
               <a:buChar char="•"/>
             </a:pPr>
             <a:r>
-              <a:rPr lang="en-US" sz="1900" b="0" i="0" dirty="0">
-                <a:solidFill>
-                  <a:srgbClr val="212121"/>
+              <a:rPr lang="en-US" sz="2000" b="0" dirty="0">
+                <a:solidFill>
+                  <a:srgbClr val="000000"/>
                 </a:solidFill>
                 <a:effectLst/>
-                <a:latin typeface="Roboto" panose="02000000000000000000" pitchFamily="2" charset="0"/>
-              </a:rPr>
-              <a:t>For the Churn vs Age plot, it tells that the average age of the Customer Chun is higher than the average age of the Customer Chun. I think some people close the account when they are approximately 40. Therefore, the bank need to focus on making new customers.</a:t>
-            </a:r>
-            <a:endParaRPr lang="en-US" sz="1900" dirty="0">
+                <a:latin typeface="Times" pitchFamily="2" charset="0"/>
+              </a:rPr>
+              <a:t>I found this dataset </a:t>
+            </a:r>
+            <a:r>
+              <a:rPr lang="en-US" sz="2000" dirty="0">
+                <a:solidFill>
+                  <a:srgbClr val="000000"/>
+                </a:solidFill>
+                <a:latin typeface="Times" pitchFamily="2" charset="0"/>
+              </a:rPr>
+              <a:t>by Kaggle website.</a:t>
+            </a:r>
+          </a:p>
+          <a:p>
+            <a:pPr marL="285750" indent="-285750" algn="l">
+              <a:buClr>
+                <a:schemeClr val="tx1"/>
+              </a:buClr>
+              <a:buFont typeface="Arial" panose="020B0604020202020204" pitchFamily="34" charset="0"/>
+              <a:buChar char="•"/>
+            </a:pPr>
+            <a:r>
+              <a:rPr lang="en-US" sz="2000" dirty="0">
+                <a:solidFill>
+                  <a:srgbClr val="000000"/>
+                </a:solidFill>
+                <a:latin typeface="Times" pitchFamily="2" charset="0"/>
+              </a:rPr>
+              <a:t>(</a:t>
+            </a:r>
+            <a:r>
+              <a:rPr lang="en-US" sz="2000" dirty="0">
+                <a:solidFill>
+                  <a:srgbClr val="000000"/>
+                </a:solidFill>
+                <a:latin typeface="Times" pitchFamily="2" charset="0"/>
+                <a:hlinkClick r:id="rId3"/>
+              </a:rPr>
+              <a:t>https://www.kaggle.com/datasets/gauravtopre/bank-customer-churn-dataset</a:t>
+            </a:r>
+            <a:r>
+              <a:rPr lang="en-US" sz="2000" dirty="0">
+                <a:solidFill>
+                  <a:srgbClr val="000000"/>
+                </a:solidFill>
+                <a:latin typeface="Times" pitchFamily="2" charset="0"/>
+              </a:rPr>
+              <a:t>)</a:t>
+            </a:r>
+          </a:p>
+          <a:p>
+            <a:pPr marL="285750" indent="-285750" algn="l">
+              <a:buClr>
+                <a:schemeClr val="tx1"/>
+              </a:buClr>
+              <a:buFont typeface="Arial" panose="020B0604020202020204" pitchFamily="34" charset="0"/>
+              <a:buChar char="•"/>
+            </a:pPr>
+            <a:r>
+              <a:rPr lang="en-US" sz="2000" dirty="0">
+                <a:solidFill>
+                  <a:srgbClr val="000000"/>
+                </a:solidFill>
+                <a:latin typeface="Times" pitchFamily="2" charset="0"/>
+              </a:rPr>
+              <a:t>There has 12 columns and 10,000 different data</a:t>
+            </a:r>
+          </a:p>
+          <a:p>
+            <a:pPr algn="l"/>
+            <a:endParaRPr lang="en-US" sz="1600" dirty="0">
               <a:solidFill>
-                <a:schemeClr val="tx1"/>
+                <a:srgbClr val="000000"/>
               </a:solidFill>
+              <a:latin typeface="Courier New" panose="02070309020205020404" pitchFamily="49" charset="0"/>
             </a:endParaRPr>
           </a:p>
           <a:p>
-            <a:endParaRPr lang="en-US" sz="2200" dirty="0">
+            <a:pPr algn="l"/>
+            <a:endParaRPr lang="en-US" sz="1600" b="0" dirty="0">
               <a:solidFill>
-                <a:srgbClr val="FFFFFF"/>
+                <a:srgbClr val="000000"/>
               </a:solidFill>
+              <a:effectLst/>
+              <a:latin typeface="Courier New" panose="02070309020205020404" pitchFamily="49" charset="0"/>
             </a:endParaRPr>
           </a:p>
-        </p:txBody>
-      </p:sp>
-      <p:pic>
-        <p:nvPicPr>
-          <p:cNvPr id="5" name="Picture 4">
-            <a:extLst>
-              <a:ext uri="{FF2B5EF4-FFF2-40B4-BE49-F238E27FC236}">
-                <a16:creationId xmlns:a16="http://schemas.microsoft.com/office/drawing/2014/main" id="{A05D49F9-9AD6-074F-9BCF-BB2BF5E777B4}"/>
-              </a:ext>
-            </a:extLst>
-          </p:cNvPr>
-          <p:cNvPicPr>
-            <a:picLocks noChangeAspect="1"/>
-          </p:cNvPicPr>
-          <p:nvPr/>
-        </p:nvPicPr>
-        <p:blipFill>
-          <a:blip r:embed="rId3"/>
-          <a:stretch>
-            <a:fillRect/>
-          </a:stretch>
-        </p:blipFill>
-        <p:spPr>
-          <a:xfrm>
-            <a:off x="572376" y="3694670"/>
-            <a:ext cx="10871200" cy="2693774"/>
-          </a:xfrm>
-          <a:prstGeom prst="rect">
-            <a:avLst/>
-          </a:prstGeom>
-        </p:spPr>
-      </p:pic>
+          <a:p>
+            <a:pPr algn="l"/>
+            <a:endParaRPr lang="en-US" sz="1600" dirty="0">
+              <a:solidFill>
+                <a:srgbClr val="000000"/>
+              </a:solidFill>
+              <a:latin typeface="Courier New" panose="02070309020205020404" pitchFamily="49" charset="0"/>
+            </a:endParaRPr>
+          </a:p>
+        </p:txBody>
+      </p:sp>
     </p:spTree>
     <p:extLst>
       <p:ext uri="{BB962C8B-B14F-4D97-AF65-F5344CB8AC3E}">
-        <p14:creationId xmlns:p14="http://schemas.microsoft.com/office/powerpoint/2010/main" val="4039681169"/>
+        <p14:creationId xmlns:p14="http://schemas.microsoft.com/office/powerpoint/2010/main" val="2781386941"/>
       </p:ext>
     </p:extLst>
   </p:cSld>
@@ -4711,7 +6944,7 @@
         </p:blipFill>
         <p:spPr>
           <a:xfrm>
-            <a:off x="0" y="10"/>
+            <a:off x="-2" y="10"/>
             <a:ext cx="12188952" cy="6857990"/>
           </a:xfrm>
           <a:prstGeom prst="rect">
@@ -4737,59 +6970,8 @@
         </p:nvSpPr>
         <p:spPr>
           <a:xfrm>
-            <a:off x="1522476" y="1321122"/>
-            <a:ext cx="9144000" cy="558155"/>
-          </a:xfrm>
-        </p:spPr>
-        <p:txBody>
-          <a:bodyPr>
-            <a:normAutofit fontScale="90000"/>
-          </a:bodyPr>
-          <a:lstStyle/>
-          <a:p>
-            <a:r>
-              <a:rPr lang="en-US" sz="3500" dirty="0">
-                <a:solidFill>
-                  <a:schemeClr val="tx1"/>
-                </a:solidFill>
-              </a:rPr>
-              <a:t>KNN model</a:t>
-            </a:r>
-            <a:br>
-              <a:rPr lang="en-US" sz="5400" dirty="0">
-                <a:solidFill>
-                  <a:schemeClr val="tx1"/>
-                </a:solidFill>
-              </a:rPr>
-            </a:br>
-            <a:endParaRPr lang="en-US" dirty="0">
-              <a:solidFill>
-                <a:srgbClr val="FFFFFF"/>
-              </a:solidFill>
-            </a:endParaRPr>
-          </a:p>
-        </p:txBody>
-      </p:sp>
-      <p:sp>
-        <p:nvSpPr>
-          <p:cNvPr id="3" name="Subtitle 2">
-            <a:extLst>
-              <a:ext uri="{FF2B5EF4-FFF2-40B4-BE49-F238E27FC236}">
-                <a16:creationId xmlns:a16="http://schemas.microsoft.com/office/drawing/2014/main" id="{EAC6D91B-216D-D748-A1EF-021C52877CAC}"/>
-              </a:ext>
-            </a:extLst>
-          </p:cNvPr>
-          <p:cNvSpPr>
-            <a:spLocks noGrp="1"/>
-          </p:cNvSpPr>
-          <p:nvPr>
-            <p:ph type="subTitle" idx="1"/>
-          </p:nvPr>
-        </p:nvSpPr>
-        <p:spPr>
-          <a:xfrm>
-            <a:off x="1522476" y="1321122"/>
-            <a:ext cx="9144000" cy="4597764"/>
+            <a:off x="1524000" y="353106"/>
+            <a:ext cx="9144000" cy="879475"/>
           </a:xfrm>
         </p:spPr>
         <p:txBody>
@@ -4798,120 +6980,94 @@
           </a:bodyPr>
           <a:lstStyle/>
           <a:p>
-            <a:pPr marL="342900" indent="-342900" algn="l">
-              <a:buClr>
-                <a:schemeClr val="tx1"/>
-              </a:buClr>
-              <a:buFont typeface="Arial" panose="020B0604020202020204" pitchFamily="34" charset="0"/>
-              <a:buChar char="•"/>
-            </a:pPr>
-            <a:r>
-              <a:rPr lang="en-US" sz="2000" dirty="0">
+            <a:r>
+              <a:rPr lang="en-US" sz="4000" b="1" dirty="0">
                 <a:solidFill>
                   <a:schemeClr val="tx1"/>
                 </a:solidFill>
               </a:rPr>
-              <a:t>2,500 accounts were tested for  the Bank Customer Churn Prediction</a:t>
-            </a:r>
-          </a:p>
-          <a:p>
-            <a:pPr marL="342900" indent="-342900" algn="l">
-              <a:buClr>
-                <a:schemeClr val="tx1"/>
-              </a:buClr>
-              <a:buFont typeface="Arial" panose="020B0604020202020204" pitchFamily="34" charset="0"/>
-              <a:buChar char="•"/>
-            </a:pPr>
-            <a:r>
-              <a:rPr lang="en-US" sz="2000" dirty="0">
+              <a:t>Business Problems</a:t>
+            </a:r>
+          </a:p>
+        </p:txBody>
+      </p:sp>
+      <p:sp>
+        <p:nvSpPr>
+          <p:cNvPr id="3" name="Subtitle 2">
+            <a:extLst>
+              <a:ext uri="{FF2B5EF4-FFF2-40B4-BE49-F238E27FC236}">
+                <a16:creationId xmlns:a16="http://schemas.microsoft.com/office/drawing/2014/main" id="{EAC6D91B-216D-D748-A1EF-021C52877CAC}"/>
+              </a:ext>
+            </a:extLst>
+          </p:cNvPr>
+          <p:cNvSpPr>
+            <a:spLocks noGrp="1"/>
+          </p:cNvSpPr>
+          <p:nvPr>
+            <p:ph type="subTitle" idx="1"/>
+          </p:nvPr>
+        </p:nvSpPr>
+        <p:spPr>
+          <a:xfrm>
+            <a:off x="1524000" y="1337808"/>
+            <a:ext cx="9144000" cy="4540477"/>
+          </a:xfrm>
+        </p:spPr>
+        <p:txBody>
+          <a:bodyPr>
+            <a:normAutofit/>
+          </a:bodyPr>
+          <a:lstStyle/>
+          <a:p>
+            <a:pPr algn="l"/>
+            <a:r>
+              <a:rPr lang="en-US" sz="2200" dirty="0">
                 <a:solidFill>
                   <a:schemeClr val="tx1"/>
                 </a:solidFill>
               </a:rPr>
-              <a:t>The classifier of KNN model predicted 2,003 accounts to have tested positive and the rest 497 as negative.</a:t>
-            </a:r>
-          </a:p>
-          <a:p>
-            <a:pPr marL="342900" indent="-342900" algn="l">
-              <a:buClr>
-                <a:schemeClr val="tx1"/>
-              </a:buClr>
-              <a:buFont typeface="Arial" panose="020B0604020202020204" pitchFamily="34" charset="0"/>
-              <a:buChar char="•"/>
-            </a:pPr>
-            <a:r>
-              <a:rPr lang="en-US" sz="2000" dirty="0">
+              <a:t>The Churn rate, sometimes known as attrition rate, is the rate at which customers stop doing business with a company over a given period. </a:t>
+            </a:r>
+          </a:p>
+          <a:p>
+            <a:pPr algn="l"/>
+            <a:r>
+              <a:rPr lang="en-US" sz="2200" dirty="0">
                 <a:solidFill>
                   <a:schemeClr val="tx1"/>
                 </a:solidFill>
               </a:rPr>
-              <a:t>However, 2,195 accounts tested positive and 305 tested negative.</a:t>
-            </a:r>
-          </a:p>
-          <a:p>
-            <a:pPr marL="342900" indent="-342900" algn="l">
-              <a:buClr>
-                <a:schemeClr val="tx1"/>
-              </a:buClr>
-              <a:buFont typeface="Arial" panose="020B0604020202020204" pitchFamily="34" charset="0"/>
-              <a:buChar char="•"/>
-            </a:pPr>
-            <a:endParaRPr lang="en-US" sz="2200" dirty="0">
-              <a:solidFill>
-                <a:schemeClr val="tx1"/>
-              </a:solidFill>
-            </a:endParaRPr>
-          </a:p>
-          <a:p>
-            <a:pPr marL="342900" indent="-342900" algn="l">
-              <a:buClr>
-                <a:schemeClr val="tx1"/>
-              </a:buClr>
-              <a:buFont typeface="Arial" panose="020B0604020202020204" pitchFamily="34" charset="0"/>
-              <a:buChar char="•"/>
-            </a:pPr>
-            <a:endParaRPr lang="en-US" sz="2200" dirty="0">
-              <a:solidFill>
-                <a:schemeClr val="tx1"/>
-              </a:solidFill>
-            </a:endParaRPr>
-          </a:p>
-        </p:txBody>
-      </p:sp>
-      <p:pic>
-        <p:nvPicPr>
-          <p:cNvPr id="5" name="Picture 4">
-            <a:extLst>
-              <a:ext uri="{FF2B5EF4-FFF2-40B4-BE49-F238E27FC236}">
-                <a16:creationId xmlns:a16="http://schemas.microsoft.com/office/drawing/2014/main" id="{BB0A130C-A6B6-6042-A016-3FDFDC7C7DED}"/>
-              </a:ext>
-            </a:extLst>
-          </p:cNvPr>
-          <p:cNvPicPr>
-            <a:picLocks noChangeAspect="1"/>
-          </p:cNvPicPr>
-          <p:nvPr/>
-        </p:nvPicPr>
-        <p:blipFill>
-          <a:blip r:embed="rId3"/>
-          <a:stretch>
-            <a:fillRect/>
-          </a:stretch>
-        </p:blipFill>
-        <p:spPr>
-          <a:xfrm>
-            <a:off x="2743232" y="3061043"/>
-            <a:ext cx="5995601" cy="3327400"/>
-          </a:xfrm>
-          <a:prstGeom prst="rect">
-            <a:avLst/>
-          </a:prstGeom>
-        </p:spPr>
-      </p:pic>
+              <a:t>The main point of the analyzing the data is that if there has a lot of Churn Customers, what the bank have to do for solving the problem against a lot of Churn Customers. </a:t>
+            </a:r>
+          </a:p>
+          <a:p>
+            <a:pPr algn="l"/>
+            <a:r>
+              <a:rPr lang="en-US" sz="2200" dirty="0">
+                <a:solidFill>
+                  <a:schemeClr val="tx1"/>
+                </a:solidFill>
+              </a:rPr>
+              <a:t>If there has a lot of Churn Customers in the bank, then that means the value of that bank is decreasing. </a:t>
+            </a:r>
+          </a:p>
+          <a:p>
+            <a:pPr algn="l"/>
+            <a:r>
+              <a:rPr lang="en-US" sz="2200" dirty="0">
+                <a:solidFill>
+                  <a:schemeClr val="tx1"/>
+                </a:solidFill>
+              </a:rPr>
+              <a:t>To solve the problem, we need to check how many Churn Customer presents in the bank first and then we need to think to analyze the results. </a:t>
+            </a:r>
+          </a:p>
+        </p:txBody>
+      </p:sp>
     </p:spTree>
     <p:extLst>
       <p:ext uri="{BB962C8B-B14F-4D97-AF65-F5344CB8AC3E}">
-        <p14:creationId xmlns:p14="http://schemas.microsoft.com/office/powerpoint/2010/main" val="3485820768"/>
+        <p14:creationId xmlns:p14="http://schemas.microsoft.com/office/powerpoint/2010/main" val="1869864679"/>
       </p:ext>
     </p:extLst>
   </p:cSld>
@@ -4961,7 +7117,7 @@
         </p:blipFill>
         <p:spPr>
           <a:xfrm>
-            <a:off x="3048" y="10"/>
+            <a:off x="-2" y="40854"/>
             <a:ext cx="12188952" cy="6857990"/>
           </a:xfrm>
           <a:prstGeom prst="rect">
@@ -4987,8 +7143,8 @@
         </p:nvSpPr>
         <p:spPr>
           <a:xfrm>
-            <a:off x="1524000" y="630194"/>
-            <a:ext cx="9144000" cy="606125"/>
+            <a:off x="1522474" y="469556"/>
+            <a:ext cx="9144000" cy="725858"/>
           </a:xfrm>
         </p:spPr>
         <p:txBody>
@@ -4997,30 +7153,17 @@
           </a:bodyPr>
           <a:lstStyle/>
           <a:p>
-            <a:pPr>
-              <a:buClr>
-                <a:schemeClr val="tx1"/>
-              </a:buClr>
-            </a:pPr>
-            <a:r>
-              <a:rPr lang="en-US" sz="3200" dirty="0">
+            <a:r>
+              <a:rPr lang="en-US" sz="3500" dirty="0">
                 <a:solidFill>
                   <a:schemeClr val="tx1"/>
                 </a:solidFill>
               </a:rPr>
-              <a:t>KNN model with the </a:t>
-            </a:r>
-            <a:r>
-              <a:rPr lang="en-US" sz="3200" dirty="0" err="1">
-                <a:solidFill>
-                  <a:schemeClr val="tx1"/>
-                </a:solidFill>
-              </a:rPr>
-              <a:t>GridSearchCV</a:t>
-            </a:r>
-            <a:endParaRPr lang="en-US" sz="3200" dirty="0">
+              <a:t>Background of The Data</a:t>
+            </a:r>
+            <a:endParaRPr lang="en-US" sz="3500" dirty="0">
               <a:solidFill>
-                <a:schemeClr val="tx1"/>
+                <a:srgbClr val="FFFFFF"/>
               </a:solidFill>
             </a:endParaRPr>
           </a:p>
@@ -5044,17 +7187,17 @@
         </p:nvSpPr>
         <p:spPr>
           <a:xfrm>
-            <a:off x="1524000" y="1402534"/>
-            <a:ext cx="9144000" cy="4318643"/>
+            <a:off x="1522474" y="1297503"/>
+            <a:ext cx="9144000" cy="2947086"/>
           </a:xfrm>
         </p:spPr>
         <p:txBody>
           <a:bodyPr>
-            <a:normAutofit/>
+            <a:normAutofit fontScale="85000" lnSpcReduction="10000"/>
           </a:bodyPr>
           <a:lstStyle/>
           <a:p>
-            <a:pPr marL="342900" indent="-342900" algn="l">
+            <a:pPr marL="457200" indent="-457200" algn="l">
               <a:buClr>
                 <a:schemeClr val="tx1"/>
               </a:buClr>
@@ -5062,16 +7205,18 @@
               <a:buChar char="•"/>
             </a:pPr>
             <a:r>
-              <a:rPr lang="en-US" sz="2000" dirty="0">
-                <a:solidFill>
-                  <a:schemeClr val="tx1"/>
-                </a:solidFill>
-              </a:rPr>
-              <a:t>2,500 accounts were tested for  the Bank Customer Churn Prediction</a:t>
-            </a:r>
-          </a:p>
-          <a:p>
-            <a:pPr marL="342900" indent="-342900" algn="l">
+              <a:rPr lang="en-US" sz="1900" b="0" i="0" dirty="0">
+                <a:solidFill>
+                  <a:srgbClr val="212121"/>
+                </a:solidFill>
+                <a:effectLst/>
+                <a:latin typeface="Roboto" panose="02000000000000000000" pitchFamily="2" charset="0"/>
+              </a:rPr>
+              <a:t>The task is to predict whether a bank customer will 'churn' or close their account. I think there has strong correlation between the target and the columns of Balance and Age</a:t>
+            </a:r>
+          </a:p>
+          <a:p>
+            <a:pPr marL="457200" indent="-457200" algn="l">
               <a:buClr>
                 <a:schemeClr val="tx1"/>
               </a:buClr>
@@ -5079,16 +7224,18 @@
               <a:buChar char="•"/>
             </a:pPr>
             <a:r>
-              <a:rPr lang="en-US" sz="2000" dirty="0">
-                <a:solidFill>
-                  <a:schemeClr val="tx1"/>
-                </a:solidFill>
-              </a:rPr>
-              <a:t>The classifier of KNN model predicted 2,003 accounts to have tested positive and the rest 497 as negative.</a:t>
-            </a:r>
-          </a:p>
-          <a:p>
-            <a:pPr marL="342900" indent="-342900" algn="l">
+              <a:rPr lang="en-US" sz="1900" b="0" i="0" dirty="0">
+                <a:solidFill>
+                  <a:srgbClr val="212121"/>
+                </a:solidFill>
+                <a:effectLst/>
+                <a:latin typeface="Roboto" panose="02000000000000000000" pitchFamily="2" charset="0"/>
+              </a:rPr>
+              <a:t>For the Churn vs Balance plot, it tells that Customer Churn has more average balance than who does not Customer Churn. This might be affected to the bank if they close their accounts. Therefore, the bank need to find a way to hold those Customer Churn.</a:t>
+            </a:r>
+          </a:p>
+          <a:p>
+            <a:pPr marL="457200" indent="-457200" algn="l">
               <a:buClr>
                 <a:schemeClr val="tx1"/>
               </a:buClr>
@@ -5096,13 +7243,20 @@
               <a:buChar char="•"/>
             </a:pPr>
             <a:r>
-              <a:rPr lang="en-US" sz="2000" dirty="0">
-                <a:solidFill>
-                  <a:schemeClr val="tx1"/>
-                </a:solidFill>
-              </a:rPr>
-              <a:t>However, 2,272 accounts tested positive and 228 tested negative.</a:t>
-            </a:r>
+              <a:rPr lang="en-US" sz="1900" b="0" i="0" dirty="0">
+                <a:solidFill>
+                  <a:srgbClr val="212121"/>
+                </a:solidFill>
+                <a:effectLst/>
+                <a:latin typeface="Roboto" panose="02000000000000000000" pitchFamily="2" charset="0"/>
+              </a:rPr>
+              <a:t>For the Churn vs Age plot, it tells that the average age of the Customer Chun is higher than the average age of the Customer Chun. I think some people close the account when they are approximately 40. Therefore, the bank need to focus on making new customers.</a:t>
+            </a:r>
+            <a:endParaRPr lang="en-US" sz="1900" dirty="0">
+              <a:solidFill>
+                <a:schemeClr val="tx1"/>
+              </a:solidFill>
+            </a:endParaRPr>
           </a:p>
           <a:p>
             <a:endParaRPr lang="en-US" sz="2200" dirty="0">
@@ -5118,7 +7272,7 @@
           <p:cNvPr id="5" name="Picture 4">
             <a:extLst>
               <a:ext uri="{FF2B5EF4-FFF2-40B4-BE49-F238E27FC236}">
-                <a16:creationId xmlns:a16="http://schemas.microsoft.com/office/drawing/2014/main" id="{C95AADC2-C9FC-5244-9F5D-518EA099A519}"/>
+                <a16:creationId xmlns:a16="http://schemas.microsoft.com/office/drawing/2014/main" id="{A05D49F9-9AD6-074F-9BCF-BB2BF5E777B4}"/>
               </a:ext>
             </a:extLst>
           </p:cNvPr>
@@ -5135,8 +7289,8 @@
         </p:blipFill>
         <p:spPr>
           <a:xfrm>
-            <a:off x="3049543" y="3107724"/>
-            <a:ext cx="5353051" cy="3327400"/>
+            <a:off x="572376" y="3694670"/>
+            <a:ext cx="10871200" cy="2693774"/>
           </a:xfrm>
           <a:prstGeom prst="rect">
             <a:avLst/>
@@ -5146,7 +7300,7 @@
     </p:spTree>
     <p:extLst>
       <p:ext uri="{BB962C8B-B14F-4D97-AF65-F5344CB8AC3E}">
-        <p14:creationId xmlns:p14="http://schemas.microsoft.com/office/powerpoint/2010/main" val="1488924232"/>
+        <p14:creationId xmlns:p14="http://schemas.microsoft.com/office/powerpoint/2010/main" val="4039681169"/>
       </p:ext>
     </p:extLst>
   </p:cSld>
@@ -5206,24 +7360,24 @@
       </p:pic>
       <p:sp>
         <p:nvSpPr>
-          <p:cNvPr id="2" name="Title 1">
-            <a:extLst>
-              <a:ext uri="{FF2B5EF4-FFF2-40B4-BE49-F238E27FC236}">
-                <a16:creationId xmlns:a16="http://schemas.microsoft.com/office/drawing/2014/main" id="{15D72DF3-4799-1F43-9B12-8F509D7C7B9B}"/>
-              </a:ext>
-            </a:extLst>
-          </p:cNvPr>
-          <p:cNvSpPr>
-            <a:spLocks noGrp="1"/>
-          </p:cNvSpPr>
-          <p:nvPr>
-            <p:ph type="ctrTitle"/>
-          </p:nvPr>
-        </p:nvSpPr>
-        <p:spPr>
-          <a:xfrm>
-            <a:off x="1524000" y="630194"/>
-            <a:ext cx="9144000" cy="606125"/>
+          <p:cNvPr id="3" name="Subtitle 2">
+            <a:extLst>
+              <a:ext uri="{FF2B5EF4-FFF2-40B4-BE49-F238E27FC236}">
+                <a16:creationId xmlns:a16="http://schemas.microsoft.com/office/drawing/2014/main" id="{EAC6D91B-216D-D748-A1EF-021C52877CAC}"/>
+              </a:ext>
+            </a:extLst>
+          </p:cNvPr>
+          <p:cNvSpPr>
+            <a:spLocks noGrp="1"/>
+          </p:cNvSpPr>
+          <p:nvPr>
+            <p:ph type="subTitle" idx="1"/>
+          </p:nvPr>
+        </p:nvSpPr>
+        <p:spPr>
+          <a:xfrm>
+            <a:off x="1522474" y="566056"/>
+            <a:ext cx="9144000" cy="758371"/>
           </a:xfrm>
         </p:spPr>
         <p:txBody>
@@ -5232,143 +7386,268 @@
           </a:bodyPr>
           <a:lstStyle/>
           <a:p>
-            <a:pPr>
-              <a:buClr>
-                <a:schemeClr val="tx1"/>
-              </a:buClr>
-            </a:pPr>
-            <a:r>
-              <a:rPr lang="en-US" sz="3200" dirty="0">
+            <a:r>
+              <a:rPr lang="en-US" sz="2200" b="1" dirty="0">
                 <a:solidFill>
                   <a:schemeClr val="tx1"/>
                 </a:solidFill>
               </a:rPr>
-              <a:t>Random Forest</a:t>
-            </a:r>
-          </a:p>
-        </p:txBody>
-      </p:sp>
-      <p:sp>
-        <p:nvSpPr>
-          <p:cNvPr id="3" name="Subtitle 2">
-            <a:extLst>
-              <a:ext uri="{FF2B5EF4-FFF2-40B4-BE49-F238E27FC236}">
-                <a16:creationId xmlns:a16="http://schemas.microsoft.com/office/drawing/2014/main" id="{EAC6D91B-216D-D748-A1EF-021C52877CAC}"/>
-              </a:ext>
-            </a:extLst>
-          </p:cNvPr>
-          <p:cNvSpPr>
-            <a:spLocks noGrp="1"/>
-          </p:cNvSpPr>
-          <p:nvPr>
-            <p:ph type="subTitle" idx="1"/>
-          </p:nvPr>
-        </p:nvSpPr>
-        <p:spPr>
-          <a:xfrm>
-            <a:off x="1524000" y="1402534"/>
-            <a:ext cx="9144000" cy="4318643"/>
-          </a:xfrm>
-        </p:spPr>
-        <p:txBody>
-          <a:bodyPr>
-            <a:normAutofit/>
-          </a:bodyPr>
-          <a:lstStyle/>
-          <a:p>
-            <a:pPr marL="342900" indent="-342900" algn="l">
-              <a:buClr>
-                <a:schemeClr val="tx1"/>
-              </a:buClr>
-              <a:buFont typeface="Arial" panose="020B0604020202020204" pitchFamily="34" charset="0"/>
-              <a:buChar char="•"/>
-            </a:pPr>
-            <a:r>
-              <a:rPr lang="en-US" sz="2000" dirty="0">
+              <a:t>KNN model and </a:t>
+            </a:r>
+            <a:r>
+              <a:rPr lang="en-US" sz="2200" b="1" dirty="0" err="1">
                 <a:solidFill>
                   <a:schemeClr val="tx1"/>
                 </a:solidFill>
               </a:rPr>
-              <a:t>2,500 accounts were tested for  the Bank Customer Churn Prediction</a:t>
-            </a:r>
-          </a:p>
-          <a:p>
-            <a:pPr marL="342900" indent="-342900" algn="l">
-              <a:buClr>
-                <a:schemeClr val="tx1"/>
-              </a:buClr>
-              <a:buFont typeface="Arial" panose="020B0604020202020204" pitchFamily="34" charset="0"/>
-              <a:buChar char="•"/>
-            </a:pPr>
-            <a:r>
-              <a:rPr lang="en-US" sz="2000" dirty="0">
+              <a:t>KNN_gs</a:t>
+            </a:r>
+            <a:r>
+              <a:rPr lang="en-US" sz="2200" b="1" dirty="0">
                 <a:solidFill>
                   <a:schemeClr val="tx1"/>
                 </a:solidFill>
               </a:rPr>
-              <a:t>The classifier of KNN model predicted 2,003 accounts to have tested positive and the rest 497 as negative.</a:t>
-            </a:r>
-          </a:p>
-          <a:p>
-            <a:pPr marL="342900" indent="-342900" algn="l">
-              <a:buClr>
-                <a:schemeClr val="tx1"/>
-              </a:buClr>
-              <a:buFont typeface="Arial" panose="020B0604020202020204" pitchFamily="34" charset="0"/>
-              <a:buChar char="•"/>
-            </a:pPr>
-            <a:r>
-              <a:rPr lang="en-US" sz="2000" dirty="0">
-                <a:solidFill>
-                  <a:schemeClr val="tx1"/>
-                </a:solidFill>
-              </a:rPr>
-              <a:t>However, 2,197 accounts tested positive and 303 tested negative.</a:t>
-            </a:r>
-          </a:p>
-          <a:p>
-            <a:endParaRPr lang="en-US" sz="2200" dirty="0">
-              <a:solidFill>
-                <a:srgbClr val="FFFFFF"/>
-              </a:solidFill>
-            </a:endParaRPr>
+              <a:t> model</a:t>
+            </a:r>
           </a:p>
         </p:txBody>
       </p:sp>
       <p:pic>
         <p:nvPicPr>
-          <p:cNvPr id="6" name="Picture 5">
-            <a:extLst>
-              <a:ext uri="{FF2B5EF4-FFF2-40B4-BE49-F238E27FC236}">
-                <a16:creationId xmlns:a16="http://schemas.microsoft.com/office/drawing/2014/main" id="{59BF3DB1-91B5-AB45-BFD9-5F97F600216B}"/>
+          <p:cNvPr id="1026" name="Picture 2">
+            <a:extLst>
+              <a:ext uri="{FF2B5EF4-FFF2-40B4-BE49-F238E27FC236}">
+                <a16:creationId xmlns:a16="http://schemas.microsoft.com/office/drawing/2014/main" id="{6C62D18A-881D-664E-9AAF-81D6D5405021}"/>
               </a:ext>
             </a:extLst>
           </p:cNvPr>
           <p:cNvPicPr>
-            <a:picLocks noChangeAspect="1"/>
+            <a:picLocks noChangeAspect="1" noChangeArrowheads="1"/>
           </p:cNvPicPr>
           <p:nvPr/>
         </p:nvPicPr>
         <p:blipFill>
-          <a:blip r:embed="rId3"/>
+          <a:blip r:embed="rId3">
+            <a:extLst>
+              <a:ext uri="{28A0092B-C50C-407E-A947-70E740481C1C}">
+                <a14:useLocalDpi xmlns:a14="http://schemas.microsoft.com/office/drawing/2010/main" val="0"/>
+              </a:ext>
+            </a:extLst>
+          </a:blip>
+          <a:srcRect/>
           <a:stretch>
             <a:fillRect/>
           </a:stretch>
         </p:blipFill>
-        <p:spPr>
-          <a:xfrm>
-            <a:off x="2955879" y="3083010"/>
-            <a:ext cx="5353051" cy="3327400"/>
+        <p:spPr bwMode="auto">
+          <a:xfrm>
+            <a:off x="1123043" y="1015999"/>
+            <a:ext cx="4610100" cy="2463802"/>
           </a:xfrm>
           <a:prstGeom prst="rect">
             <a:avLst/>
           </a:prstGeom>
+          <a:noFill/>
+          <a:extLst>
+            <a:ext uri="{909E8E84-426E-40DD-AFC4-6F175D3DCCD1}">
+              <a14:hiddenFill xmlns:a14="http://schemas.microsoft.com/office/drawing/2010/main">
+                <a:solidFill>
+                  <a:srgbClr val="FFFFFF"/>
+                </a:solidFill>
+              </a14:hiddenFill>
+            </a:ext>
+          </a:extLst>
+        </p:spPr>
+      </p:pic>
+      <p:pic>
+        <p:nvPicPr>
+          <p:cNvPr id="1028" name="Picture 4">
+            <a:extLst>
+              <a:ext uri="{FF2B5EF4-FFF2-40B4-BE49-F238E27FC236}">
+                <a16:creationId xmlns:a16="http://schemas.microsoft.com/office/drawing/2014/main" id="{E0E5B831-F9F4-5840-8AEE-49D747A2C89F}"/>
+              </a:ext>
+            </a:extLst>
+          </p:cNvPr>
+          <p:cNvPicPr>
+            <a:picLocks noChangeAspect="1" noChangeArrowheads="1"/>
+          </p:cNvPicPr>
+          <p:nvPr/>
+        </p:nvPicPr>
+        <p:blipFill>
+          <a:blip r:embed="rId4">
+            <a:extLst>
+              <a:ext uri="{28A0092B-C50C-407E-A947-70E740481C1C}">
+                <a14:useLocalDpi xmlns:a14="http://schemas.microsoft.com/office/drawing/2010/main" val="0"/>
+              </a:ext>
+            </a:extLst>
+          </a:blip>
+          <a:srcRect/>
+          <a:stretch>
+            <a:fillRect/>
+          </a:stretch>
+        </p:blipFill>
+        <p:spPr bwMode="auto">
+          <a:xfrm>
+            <a:off x="5894758" y="1021454"/>
+            <a:ext cx="4610100" cy="2362200"/>
+          </a:xfrm>
+          <a:prstGeom prst="rect">
+            <a:avLst/>
+          </a:prstGeom>
+          <a:noFill/>
+          <a:extLst>
+            <a:ext uri="{909E8E84-426E-40DD-AFC4-6F175D3DCCD1}">
+              <a14:hiddenFill xmlns:a14="http://schemas.microsoft.com/office/drawing/2010/main">
+                <a:solidFill>
+                  <a:srgbClr val="FFFFFF"/>
+                </a:solidFill>
+              </a14:hiddenFill>
+            </a:ext>
+          </a:extLst>
+        </p:spPr>
+      </p:pic>
+      <p:sp>
+        <p:nvSpPr>
+          <p:cNvPr id="5" name="TextBox 4">
+            <a:extLst>
+              <a:ext uri="{FF2B5EF4-FFF2-40B4-BE49-F238E27FC236}">
+                <a16:creationId xmlns:a16="http://schemas.microsoft.com/office/drawing/2014/main" id="{D9B197BC-6856-B544-9C7A-48B4424DFEF9}"/>
+              </a:ext>
+            </a:extLst>
+          </p:cNvPr>
+          <p:cNvSpPr txBox="1"/>
+          <p:nvPr/>
+        </p:nvSpPr>
+        <p:spPr>
+          <a:xfrm>
+            <a:off x="3512293" y="3444883"/>
+            <a:ext cx="6037943" cy="430887"/>
+          </a:xfrm>
+          <a:prstGeom prst="rect">
+            <a:avLst/>
+          </a:prstGeom>
+          <a:noFill/>
+        </p:spPr>
+        <p:txBody>
+          <a:bodyPr wrap="square" rtlCol="0">
+            <a:spAutoFit/>
+          </a:bodyPr>
+          <a:lstStyle/>
+          <a:p>
+            <a:r>
+              <a:rPr lang="en-US" sz="2200" b="1" dirty="0"/>
+              <a:t>Random Forest model and </a:t>
+            </a:r>
+            <a:r>
+              <a:rPr lang="en-US" sz="2200" b="1" dirty="0" err="1"/>
+              <a:t>RF_gs</a:t>
+            </a:r>
+            <a:r>
+              <a:rPr lang="en-US" sz="2200" b="1" dirty="0"/>
+              <a:t> model</a:t>
+            </a:r>
+          </a:p>
+        </p:txBody>
+      </p:sp>
+      <p:pic>
+        <p:nvPicPr>
+          <p:cNvPr id="1030" name="Picture 6">
+            <a:extLst>
+              <a:ext uri="{FF2B5EF4-FFF2-40B4-BE49-F238E27FC236}">
+                <a16:creationId xmlns:a16="http://schemas.microsoft.com/office/drawing/2014/main" id="{1AE10F64-E85E-E24D-B503-D3683927BCB2}"/>
+              </a:ext>
+            </a:extLst>
+          </p:cNvPr>
+          <p:cNvPicPr>
+            <a:picLocks noChangeAspect="1" noChangeArrowheads="1"/>
+          </p:cNvPicPr>
+          <p:nvPr/>
+        </p:nvPicPr>
+        <p:blipFill>
+          <a:blip r:embed="rId5">
+            <a:extLst>
+              <a:ext uri="{28A0092B-C50C-407E-A947-70E740481C1C}">
+                <a14:useLocalDpi xmlns:a14="http://schemas.microsoft.com/office/drawing/2010/main" val="0"/>
+              </a:ext>
+            </a:extLst>
+          </a:blip>
+          <a:srcRect/>
+          <a:stretch>
+            <a:fillRect/>
+          </a:stretch>
+        </p:blipFill>
+        <p:spPr bwMode="auto">
+          <a:xfrm>
+            <a:off x="1123043" y="3936999"/>
+            <a:ext cx="4610100" cy="2463802"/>
+          </a:xfrm>
+          <a:prstGeom prst="rect">
+            <a:avLst/>
+          </a:prstGeom>
+          <a:noFill/>
+          <a:extLst>
+            <a:ext uri="{909E8E84-426E-40DD-AFC4-6F175D3DCCD1}">
+              <a14:hiddenFill xmlns:a14="http://schemas.microsoft.com/office/drawing/2010/main">
+                <a:solidFill>
+                  <a:srgbClr val="FFFFFF"/>
+                </a:solidFill>
+              </a14:hiddenFill>
+            </a:ext>
+          </a:extLst>
+        </p:spPr>
+      </p:pic>
+      <p:pic>
+        <p:nvPicPr>
+          <p:cNvPr id="1032" name="Picture 8">
+            <a:extLst>
+              <a:ext uri="{FF2B5EF4-FFF2-40B4-BE49-F238E27FC236}">
+                <a16:creationId xmlns:a16="http://schemas.microsoft.com/office/drawing/2014/main" id="{0AA1BEE3-498D-224C-AB73-E6062F40DD1A}"/>
+              </a:ext>
+            </a:extLst>
+          </p:cNvPr>
+          <p:cNvPicPr>
+            <a:picLocks noChangeAspect="1" noChangeArrowheads="1"/>
+          </p:cNvPicPr>
+          <p:nvPr/>
+        </p:nvPicPr>
+        <p:blipFill>
+          <a:blip r:embed="rId6">
+            <a:extLst>
+              <a:ext uri="{28A0092B-C50C-407E-A947-70E740481C1C}">
+                <a14:useLocalDpi xmlns:a14="http://schemas.microsoft.com/office/drawing/2010/main" val="0"/>
+              </a:ext>
+            </a:extLst>
+          </a:blip>
+          <a:srcRect/>
+          <a:stretch>
+            <a:fillRect/>
+          </a:stretch>
+        </p:blipFill>
+        <p:spPr bwMode="auto">
+          <a:xfrm>
+            <a:off x="5817343" y="3875769"/>
+            <a:ext cx="4610100" cy="2525031"/>
+          </a:xfrm>
+          <a:prstGeom prst="rect">
+            <a:avLst/>
+          </a:prstGeom>
+          <a:noFill/>
+          <a:extLst>
+            <a:ext uri="{909E8E84-426E-40DD-AFC4-6F175D3DCCD1}">
+              <a14:hiddenFill xmlns:a14="http://schemas.microsoft.com/office/drawing/2010/main">
+                <a:solidFill>
+                  <a:srgbClr val="FFFFFF"/>
+                </a:solidFill>
+              </a14:hiddenFill>
+            </a:ext>
+          </a:extLst>
         </p:spPr>
       </p:pic>
     </p:spTree>
     <p:extLst>
       <p:ext uri="{BB962C8B-B14F-4D97-AF65-F5344CB8AC3E}">
-        <p14:creationId xmlns:p14="http://schemas.microsoft.com/office/powerpoint/2010/main" val="2456385375"/>
+        <p14:creationId xmlns:p14="http://schemas.microsoft.com/office/powerpoint/2010/main" val="894606077"/>
       </p:ext>
     </p:extLst>
   </p:cSld>
@@ -5465,7 +7744,7 @@
                   <a:schemeClr val="tx1"/>
                 </a:solidFill>
               </a:rPr>
-              <a:t>Random Forest with the </a:t>
+              <a:t>KNN model with the </a:t>
             </a:r>
             <a:r>
               <a:rPr lang="en-US" sz="3200" dirty="0" err="1">
@@ -5558,7 +7837,7 @@
                   <a:schemeClr val="tx1"/>
                 </a:solidFill>
               </a:rPr>
-              <a:t>However, 2,201 accounts tested positive and 299 tested negative.</a:t>
+              <a:t>However, 2302accounts tested positive and 198 tested negative.</a:t>
             </a:r>
           </a:p>
           <a:p>
@@ -5572,38 +7851,55 @@
       </p:sp>
       <p:pic>
         <p:nvPicPr>
-          <p:cNvPr id="5" name="Picture 4">
-            <a:extLst>
-              <a:ext uri="{FF2B5EF4-FFF2-40B4-BE49-F238E27FC236}">
-                <a16:creationId xmlns:a16="http://schemas.microsoft.com/office/drawing/2014/main" id="{7CBB1ED9-2CF0-1844-8BD8-E9642B3105A5}"/>
+          <p:cNvPr id="6" name="Picture 4">
+            <a:extLst>
+              <a:ext uri="{FF2B5EF4-FFF2-40B4-BE49-F238E27FC236}">
+                <a16:creationId xmlns:a16="http://schemas.microsoft.com/office/drawing/2014/main" id="{B5748F35-FF16-914B-9628-D0CF6D8F8401}"/>
               </a:ext>
             </a:extLst>
           </p:cNvPr>
           <p:cNvPicPr>
-            <a:picLocks noChangeAspect="1"/>
+            <a:picLocks noChangeAspect="1" noChangeArrowheads="1"/>
           </p:cNvPicPr>
           <p:nvPr/>
         </p:nvPicPr>
         <p:blipFill>
-          <a:blip r:embed="rId3"/>
+          <a:blip r:embed="rId3">
+            <a:extLst>
+              <a:ext uri="{28A0092B-C50C-407E-A947-70E740481C1C}">
+                <a14:useLocalDpi xmlns:a14="http://schemas.microsoft.com/office/drawing/2010/main" val="0"/>
+              </a:ext>
+            </a:extLst>
+          </a:blip>
+          <a:srcRect/>
           <a:stretch>
             <a:fillRect/>
           </a:stretch>
         </p:blipFill>
-        <p:spPr>
-          <a:xfrm>
-            <a:off x="3079067" y="3070653"/>
-            <a:ext cx="5197602" cy="3327400"/>
+        <p:spPr bwMode="auto">
+          <a:xfrm>
+            <a:off x="3247467" y="3064181"/>
+            <a:ext cx="5019986" cy="3351133"/>
           </a:xfrm>
           <a:prstGeom prst="rect">
             <a:avLst/>
           </a:prstGeom>
+          <a:noFill/>
+          <a:extLst>
+            <a:ext uri="{909E8E84-426E-40DD-AFC4-6F175D3DCCD1}">
+              <a14:hiddenFill xmlns:a14="http://schemas.microsoft.com/office/drawing/2010/main">
+                <a:solidFill>
+                  <a:srgbClr val="FFFFFF"/>
+                </a:solidFill>
+              </a14:hiddenFill>
+            </a:ext>
+          </a:extLst>
         </p:spPr>
       </p:pic>
     </p:spTree>
     <p:extLst>
       <p:ext uri="{BB962C8B-B14F-4D97-AF65-F5344CB8AC3E}">
-        <p14:creationId xmlns:p14="http://schemas.microsoft.com/office/powerpoint/2010/main" val="1551528892"/>
+        <p14:creationId xmlns:p14="http://schemas.microsoft.com/office/powerpoint/2010/main" val="3441442693"/>
       </p:ext>
     </p:extLst>
   </p:cSld>
@@ -5653,7 +7949,7 @@
         </p:blipFill>
         <p:spPr>
           <a:xfrm>
-            <a:off x="3048" y="10"/>
+            <a:off x="-2" y="10"/>
             <a:ext cx="12188952" cy="6857990"/>
           </a:xfrm>
           <a:prstGeom prst="rect">
@@ -5679,8 +7975,223 @@
         </p:nvSpPr>
         <p:spPr>
           <a:xfrm>
-            <a:off x="1522474" y="720725"/>
-            <a:ext cx="9144000" cy="879475"/>
+            <a:off x="1524000" y="1122363"/>
+            <a:ext cx="9144000" cy="2387600"/>
+          </a:xfrm>
+        </p:spPr>
+        <p:txBody>
+          <a:bodyPr>
+            <a:normAutofit/>
+          </a:bodyPr>
+          <a:lstStyle/>
+          <a:p>
+            <a:pPr algn="l"/>
+            <a:r>
+              <a:rPr lang="en-US" sz="2000" b="0" dirty="0">
+                <a:solidFill>
+                  <a:srgbClr val="000000"/>
+                </a:solidFill>
+                <a:effectLst/>
+                <a:latin typeface="Times" pitchFamily="2" charset="0"/>
+              </a:rPr>
+              <a:t>I will chose the </a:t>
+            </a:r>
+            <a:r>
+              <a:rPr lang="en-US" sz="2000" b="0" dirty="0" err="1">
+                <a:solidFill>
+                  <a:srgbClr val="000000"/>
+                </a:solidFill>
+                <a:effectLst/>
+                <a:latin typeface="Times" pitchFamily="2" charset="0"/>
+              </a:rPr>
+              <a:t>KNN_gs</a:t>
+            </a:r>
+            <a:r>
+              <a:rPr lang="en-US" sz="2000" b="0" dirty="0">
+                <a:solidFill>
+                  <a:srgbClr val="000000"/>
+                </a:solidFill>
+                <a:effectLst/>
+                <a:latin typeface="Times" pitchFamily="2" charset="0"/>
+              </a:rPr>
+              <a:t> model because there has less errors when </a:t>
+            </a:r>
+            <a:r>
+              <a:rPr lang="en-US" sz="2000" b="0" dirty="0" err="1">
+                <a:solidFill>
+                  <a:srgbClr val="000000"/>
+                </a:solidFill>
+                <a:effectLst/>
+                <a:latin typeface="Times" pitchFamily="2" charset="0"/>
+              </a:rPr>
+              <a:t>i</a:t>
+            </a:r>
+            <a:r>
+              <a:rPr lang="en-US" sz="2000" b="0" dirty="0">
+                <a:solidFill>
+                  <a:srgbClr val="000000"/>
+                </a:solidFill>
+                <a:effectLst/>
+                <a:latin typeface="Times" pitchFamily="2" charset="0"/>
+              </a:rPr>
+              <a:t> compared with other confusion </a:t>
+            </a:r>
+            <a:r>
+              <a:rPr lang="en-US" sz="2000" b="0" dirty="0" err="1">
+                <a:solidFill>
+                  <a:srgbClr val="000000"/>
+                </a:solidFill>
+                <a:effectLst/>
+                <a:latin typeface="Times" pitchFamily="2" charset="0"/>
+              </a:rPr>
+              <a:t>matrixs</a:t>
+            </a:r>
+            <a:r>
+              <a:rPr lang="en-US" sz="2000" b="0" dirty="0">
+                <a:solidFill>
+                  <a:srgbClr val="000000"/>
+                </a:solidFill>
+                <a:effectLst/>
+                <a:latin typeface="Times" pitchFamily="2" charset="0"/>
+              </a:rPr>
+              <a:t>.</a:t>
+            </a:r>
+            <a:br>
+              <a:rPr lang="en-US" sz="2000" b="0" dirty="0">
+                <a:solidFill>
+                  <a:srgbClr val="000000"/>
+                </a:solidFill>
+                <a:effectLst/>
+                <a:latin typeface="Times" pitchFamily="2" charset="0"/>
+              </a:rPr>
+            </a:br>
+            <a:br>
+              <a:rPr lang="en-US" sz="2000" b="0" dirty="0">
+                <a:solidFill>
+                  <a:srgbClr val="000000"/>
+                </a:solidFill>
+                <a:effectLst/>
+                <a:latin typeface="Times" pitchFamily="2" charset="0"/>
+              </a:rPr>
+            </a:br>
+            <a:r>
+              <a:rPr lang="en-US" sz="2000" b="0" dirty="0">
+                <a:solidFill>
+                  <a:srgbClr val="000000"/>
+                </a:solidFill>
+                <a:effectLst/>
+                <a:latin typeface="Times" pitchFamily="2" charset="0"/>
+              </a:rPr>
+              <a:t>Confusion matrix for the </a:t>
+            </a:r>
+            <a:r>
+              <a:rPr lang="en-US" sz="2000" b="0" dirty="0" err="1">
+                <a:solidFill>
+                  <a:srgbClr val="000000"/>
+                </a:solidFill>
+                <a:effectLst/>
+                <a:latin typeface="Times" pitchFamily="2" charset="0"/>
+              </a:rPr>
+              <a:t>KNN_gs</a:t>
+            </a:r>
+            <a:r>
+              <a:rPr lang="en-US" sz="2000" b="0" dirty="0">
+                <a:solidFill>
+                  <a:srgbClr val="000000"/>
+                </a:solidFill>
+                <a:effectLst/>
+                <a:latin typeface="Times" pitchFamily="2" charset="0"/>
+              </a:rPr>
+              <a:t> shows 46 errors in the total, but other confusion matrix shows more error than </a:t>
+            </a:r>
+            <a:r>
+              <a:rPr lang="en-US" sz="2000" b="0" dirty="0" err="1">
+                <a:solidFill>
+                  <a:srgbClr val="000000"/>
+                </a:solidFill>
+                <a:effectLst/>
+                <a:latin typeface="Times" pitchFamily="2" charset="0"/>
+              </a:rPr>
+              <a:t>KNN_gs</a:t>
+            </a:r>
+            <a:r>
+              <a:rPr lang="en-US" sz="2000" b="0" dirty="0">
+                <a:solidFill>
+                  <a:srgbClr val="000000"/>
+                </a:solidFill>
+                <a:effectLst/>
+                <a:latin typeface="Times" pitchFamily="2" charset="0"/>
+              </a:rPr>
+              <a:t> True Negative is better than True Positive at </a:t>
+            </a:r>
+            <a:r>
+              <a:rPr lang="en-US" sz="2000" b="0" dirty="0" err="1">
+                <a:solidFill>
+                  <a:srgbClr val="000000"/>
+                </a:solidFill>
+                <a:effectLst/>
+                <a:latin typeface="Times" pitchFamily="2" charset="0"/>
+              </a:rPr>
+              <a:t>pridicting</a:t>
+            </a:r>
+            <a:r>
+              <a:rPr lang="en-US" sz="2000" b="0" dirty="0">
+                <a:solidFill>
+                  <a:srgbClr val="000000"/>
+                </a:solidFill>
+                <a:effectLst/>
+                <a:latin typeface="Times" pitchFamily="2" charset="0"/>
+              </a:rPr>
+              <a:t> in the confusion matrix for the </a:t>
+            </a:r>
+            <a:r>
+              <a:rPr lang="en-US" sz="2000" b="0" dirty="0" err="1">
+                <a:solidFill>
+                  <a:srgbClr val="000000"/>
+                </a:solidFill>
+                <a:effectLst/>
+                <a:latin typeface="Times" pitchFamily="2" charset="0"/>
+              </a:rPr>
+              <a:t>KNN_gs</a:t>
+            </a:r>
+            <a:br>
+              <a:rPr lang="en-US" sz="2000" b="0" dirty="0">
+                <a:solidFill>
+                  <a:srgbClr val="000000"/>
+                </a:solidFill>
+                <a:effectLst/>
+                <a:latin typeface="Times" pitchFamily="2" charset="0"/>
+              </a:rPr>
+            </a:br>
+            <a:endParaRPr lang="en-US" sz="2000" dirty="0">
+              <a:solidFill>
+                <a:srgbClr val="FFFFFF"/>
+              </a:solidFill>
+              <a:latin typeface="Times" pitchFamily="2" charset="0"/>
+            </a:endParaRPr>
+          </a:p>
+        </p:txBody>
+      </p:sp>
+      <p:sp>
+        <p:nvSpPr>
+          <p:cNvPr id="3" name="Subtitle 2">
+            <a:extLst>
+              <a:ext uri="{FF2B5EF4-FFF2-40B4-BE49-F238E27FC236}">
+                <a16:creationId xmlns:a16="http://schemas.microsoft.com/office/drawing/2014/main" id="{EAC6D91B-216D-D748-A1EF-021C52877CAC}"/>
+              </a:ext>
+            </a:extLst>
+          </p:cNvPr>
+          <p:cNvSpPr>
+            <a:spLocks noGrp="1"/>
+          </p:cNvSpPr>
+          <p:nvPr>
+            <p:ph type="subTitle" idx="1"/>
+          </p:nvPr>
+        </p:nvSpPr>
+        <p:spPr>
+          <a:xfrm>
+            <a:off x="1524000" y="3602038"/>
+            <a:ext cx="9144000" cy="1655762"/>
           </a:xfrm>
         </p:spPr>
         <p:txBody>
@@ -5689,234 +8200,112 @@
           </a:bodyPr>
           <a:lstStyle/>
           <a:p>
-            <a:r>
-              <a:rPr lang="en-US" sz="3200" dirty="0">
-                <a:solidFill>
-                  <a:schemeClr val="tx1"/>
-                </a:solidFill>
-              </a:rPr>
-              <a:t>Final Recommendation </a:t>
-            </a:r>
+            <a:pPr algn="l"/>
+            <a:r>
+              <a:rPr lang="en-US" sz="2000" b="0" dirty="0">
+                <a:solidFill>
+                  <a:srgbClr val="000000"/>
+                </a:solidFill>
+                <a:effectLst/>
+                <a:latin typeface="Times" pitchFamily="2" charset="0"/>
+              </a:rPr>
+              <a:t>These are cases in which we predicted that there has a lot of Churn Customers.</a:t>
+            </a:r>
+          </a:p>
+          <a:p>
+            <a:pPr algn="l"/>
+            <a:r>
+              <a:rPr lang="en-US" sz="2000" b="0" dirty="0">
+                <a:solidFill>
+                  <a:srgbClr val="000000"/>
+                </a:solidFill>
+                <a:effectLst/>
+                <a:latin typeface="Times" pitchFamily="2" charset="0"/>
+              </a:rPr>
+              <a:t>I will recommend to find new customers as many as you can since there has a lot of Churn Customers in the bank. </a:t>
+            </a:r>
+          </a:p>
+          <a:p>
+            <a:pPr algn="l"/>
             <a:br>
-              <a:rPr lang="en-US" sz="3200" dirty="0">
-                <a:solidFill>
-                  <a:schemeClr val="tx1"/>
-                </a:solidFill>
+              <a:rPr lang="en-US" sz="2000" b="0" dirty="0">
+                <a:solidFill>
+                  <a:srgbClr val="000000"/>
+                </a:solidFill>
+                <a:effectLst/>
+                <a:latin typeface="Times" pitchFamily="2" charset="0"/>
               </a:rPr>
             </a:br>
-            <a:endParaRPr lang="en-US" sz="3200" dirty="0">
+            <a:br>
+              <a:rPr lang="en-US" sz="2000" b="0" dirty="0">
+                <a:solidFill>
+                  <a:srgbClr val="000000"/>
+                </a:solidFill>
+                <a:effectLst/>
+                <a:latin typeface="Times" pitchFamily="2" charset="0"/>
+              </a:rPr>
+            </a:br>
+            <a:endParaRPr lang="en-US" sz="2000" b="0" dirty="0">
+              <a:solidFill>
+                <a:srgbClr val="000000"/>
+              </a:solidFill>
+              <a:effectLst/>
+              <a:latin typeface="Times" pitchFamily="2" charset="0"/>
+            </a:endParaRPr>
+          </a:p>
+          <a:p>
+            <a:pPr algn="l"/>
+            <a:endParaRPr lang="en-US" sz="2000" dirty="0">
               <a:solidFill>
                 <a:srgbClr val="FFFFFF"/>
               </a:solidFill>
+              <a:latin typeface="Times" pitchFamily="2" charset="0"/>
             </a:endParaRPr>
           </a:p>
         </p:txBody>
       </p:sp>
       <p:sp>
         <p:nvSpPr>
-          <p:cNvPr id="3" name="Subtitle 2">
-            <a:extLst>
-              <a:ext uri="{FF2B5EF4-FFF2-40B4-BE49-F238E27FC236}">
-                <a16:creationId xmlns:a16="http://schemas.microsoft.com/office/drawing/2014/main" id="{EAC6D91B-216D-D748-A1EF-021C52877CAC}"/>
-              </a:ext>
-            </a:extLst>
-          </p:cNvPr>
-          <p:cNvSpPr>
-            <a:spLocks noGrp="1"/>
-          </p:cNvSpPr>
-          <p:nvPr>
-            <p:ph type="subTitle" idx="1"/>
-          </p:nvPr>
-        </p:nvSpPr>
-        <p:spPr>
-          <a:xfrm>
-            <a:off x="1522474" y="1906025"/>
-            <a:ext cx="9144000" cy="2616548"/>
-          </a:xfrm>
-        </p:spPr>
-        <p:txBody>
-          <a:bodyPr>
-            <a:noAutofit/>
+          <p:cNvPr id="5" name="TextBox 4">
+            <a:extLst>
+              <a:ext uri="{FF2B5EF4-FFF2-40B4-BE49-F238E27FC236}">
+                <a16:creationId xmlns:a16="http://schemas.microsoft.com/office/drawing/2014/main" id="{95DF3B7A-3E97-9242-9176-41EB13F3F5CF}"/>
+              </a:ext>
+            </a:extLst>
+          </p:cNvPr>
+          <p:cNvSpPr txBox="1"/>
+          <p:nvPr/>
+        </p:nvSpPr>
+        <p:spPr>
+          <a:xfrm>
+            <a:off x="3384510" y="691476"/>
+            <a:ext cx="6183086" cy="861774"/>
+          </a:xfrm>
+          <a:prstGeom prst="rect">
+            <a:avLst/>
+          </a:prstGeom>
+          <a:noFill/>
+        </p:spPr>
+        <p:txBody>
+          <a:bodyPr wrap="square" rtlCol="0">
+            <a:spAutoFit/>
           </a:bodyPr>
           <a:lstStyle/>
           <a:p>
-            <a:pPr algn="l"/>
-            <a:r>
-              <a:rPr lang="en-US" sz="2000" b="0" i="0" dirty="0">
-                <a:solidFill>
-                  <a:schemeClr val="tx1"/>
-                </a:solidFill>
-                <a:effectLst/>
-                <a:latin typeface="Roboto" panose="02000000000000000000" pitchFamily="2" charset="0"/>
-                <a:ea typeface="Roboto" panose="02000000000000000000" pitchFamily="2" charset="0"/>
-              </a:rPr>
-              <a:t>I will choose the KNN with </a:t>
-            </a:r>
-            <a:r>
-              <a:rPr lang="en-US" sz="2000" dirty="0">
-                <a:solidFill>
-                  <a:schemeClr val="tx1"/>
-                </a:solidFill>
-                <a:latin typeface="Roboto" panose="02000000000000000000" pitchFamily="2" charset="0"/>
-                <a:ea typeface="Roboto" panose="02000000000000000000" pitchFamily="2" charset="0"/>
-              </a:rPr>
-              <a:t>the </a:t>
-            </a:r>
-            <a:r>
-              <a:rPr lang="en-US" sz="2000" dirty="0" err="1">
-                <a:solidFill>
-                  <a:schemeClr val="tx1"/>
-                </a:solidFill>
-                <a:latin typeface="Roboto" panose="02000000000000000000" pitchFamily="2" charset="0"/>
-                <a:ea typeface="Roboto" panose="02000000000000000000" pitchFamily="2" charset="0"/>
-              </a:rPr>
-              <a:t>GridSearchCV</a:t>
-            </a:r>
-            <a:r>
-              <a:rPr lang="en-US" sz="2000" dirty="0">
-                <a:solidFill>
-                  <a:schemeClr val="tx1"/>
-                </a:solidFill>
-                <a:latin typeface="Roboto" panose="02000000000000000000" pitchFamily="2" charset="0"/>
-                <a:ea typeface="Roboto" panose="02000000000000000000" pitchFamily="2" charset="0"/>
-              </a:rPr>
-              <a:t> </a:t>
-            </a:r>
-            <a:r>
-              <a:rPr lang="en-US" sz="2000" b="0" i="0" dirty="0">
-                <a:solidFill>
-                  <a:schemeClr val="tx1"/>
-                </a:solidFill>
-                <a:effectLst/>
-                <a:latin typeface="Roboto" panose="02000000000000000000" pitchFamily="2" charset="0"/>
-                <a:ea typeface="Roboto" panose="02000000000000000000" pitchFamily="2" charset="0"/>
-              </a:rPr>
-              <a:t>model because there has less errors when I compared with other confusion matrixes. </a:t>
-            </a:r>
-          </a:p>
-          <a:p>
-            <a:pPr algn="l"/>
-            <a:r>
-              <a:rPr lang="en-US" sz="2000" b="0" i="0" dirty="0">
-                <a:solidFill>
-                  <a:schemeClr val="tx1"/>
-                </a:solidFill>
-                <a:effectLst/>
-                <a:latin typeface="Roboto" panose="02000000000000000000" pitchFamily="2" charset="0"/>
-                <a:ea typeface="Roboto" panose="02000000000000000000" pitchFamily="2" charset="0"/>
-              </a:rPr>
-              <a:t>Confusion matrix for the KNN with </a:t>
-            </a:r>
-            <a:r>
-              <a:rPr lang="en-US" sz="2000" dirty="0">
-                <a:solidFill>
-                  <a:schemeClr val="tx1"/>
-                </a:solidFill>
-                <a:latin typeface="Roboto" panose="02000000000000000000" pitchFamily="2" charset="0"/>
-                <a:ea typeface="Roboto" panose="02000000000000000000" pitchFamily="2" charset="0"/>
-              </a:rPr>
-              <a:t>the </a:t>
-            </a:r>
-            <a:r>
-              <a:rPr lang="en-US" sz="2000" dirty="0" err="1">
-                <a:solidFill>
-                  <a:schemeClr val="tx1"/>
-                </a:solidFill>
-                <a:latin typeface="Roboto" panose="02000000000000000000" pitchFamily="2" charset="0"/>
-                <a:ea typeface="Roboto" panose="02000000000000000000" pitchFamily="2" charset="0"/>
-              </a:rPr>
-              <a:t>GridSearchCV</a:t>
-            </a:r>
-            <a:r>
-              <a:rPr lang="en-US" sz="2000" dirty="0">
-                <a:solidFill>
-                  <a:schemeClr val="tx1"/>
-                </a:solidFill>
-                <a:latin typeface="Roboto" panose="02000000000000000000" pitchFamily="2" charset="0"/>
-                <a:ea typeface="Roboto" panose="02000000000000000000" pitchFamily="2" charset="0"/>
-              </a:rPr>
-              <a:t> </a:t>
-            </a:r>
-            <a:r>
-              <a:rPr lang="en-US" sz="2000" b="0" i="0" dirty="0">
-                <a:solidFill>
-                  <a:schemeClr val="tx1"/>
-                </a:solidFill>
-                <a:effectLst/>
-                <a:latin typeface="Roboto" panose="02000000000000000000" pitchFamily="2" charset="0"/>
-                <a:ea typeface="Roboto" panose="02000000000000000000" pitchFamily="2" charset="0"/>
-              </a:rPr>
-              <a:t>shows 56 errors in the total, but other confusion matrix shows more error than </a:t>
-            </a:r>
-            <a:r>
-              <a:rPr lang="en-US" sz="2000" dirty="0">
-                <a:solidFill>
-                  <a:schemeClr val="tx1"/>
-                </a:solidFill>
-                <a:latin typeface="Roboto" panose="02000000000000000000" pitchFamily="2" charset="0"/>
-                <a:ea typeface="Roboto" panose="02000000000000000000" pitchFamily="2" charset="0"/>
-              </a:rPr>
-              <a:t>KNN with the </a:t>
-            </a:r>
-            <a:r>
-              <a:rPr lang="en-US" sz="2000" dirty="0" err="1">
-                <a:solidFill>
-                  <a:schemeClr val="tx1"/>
-                </a:solidFill>
-                <a:latin typeface="Roboto" panose="02000000000000000000" pitchFamily="2" charset="0"/>
-                <a:ea typeface="Roboto" panose="02000000000000000000" pitchFamily="2" charset="0"/>
-              </a:rPr>
-              <a:t>GridSearchCV</a:t>
-            </a:r>
-            <a:r>
-              <a:rPr lang="en-US" sz="2000" dirty="0">
-                <a:solidFill>
-                  <a:schemeClr val="tx1"/>
-                </a:solidFill>
-                <a:latin typeface="Roboto" panose="02000000000000000000" pitchFamily="2" charset="0"/>
-                <a:ea typeface="Roboto" panose="02000000000000000000" pitchFamily="2" charset="0"/>
-              </a:rPr>
-              <a:t>. </a:t>
-            </a:r>
-          </a:p>
-          <a:p>
-            <a:pPr algn="l"/>
-            <a:r>
-              <a:rPr lang="en-US" sz="2000" b="0" i="0" dirty="0">
-                <a:solidFill>
-                  <a:schemeClr val="tx1"/>
-                </a:solidFill>
-                <a:effectLst/>
-                <a:latin typeface="Roboto" panose="02000000000000000000" pitchFamily="2" charset="0"/>
-                <a:ea typeface="Roboto" panose="02000000000000000000" pitchFamily="2" charset="0"/>
-              </a:rPr>
-              <a:t>True Negative is better than True Positive at predicting in the confusion matrix for the KNN with the </a:t>
-            </a:r>
-            <a:r>
-              <a:rPr lang="en-US" sz="2000" b="0" i="0" dirty="0" err="1">
-                <a:solidFill>
-                  <a:schemeClr val="tx1"/>
-                </a:solidFill>
-                <a:effectLst/>
-                <a:latin typeface="Roboto" panose="02000000000000000000" pitchFamily="2" charset="0"/>
-                <a:ea typeface="Roboto" panose="02000000000000000000" pitchFamily="2" charset="0"/>
-              </a:rPr>
-              <a:t>GridSearchCV</a:t>
-            </a:r>
-            <a:endParaRPr lang="en-US" sz="2000" dirty="0">
-              <a:solidFill>
-                <a:schemeClr val="tx1"/>
-              </a:solidFill>
-              <a:latin typeface="Roboto" panose="02000000000000000000" pitchFamily="2" charset="0"/>
-              <a:ea typeface="Roboto" panose="02000000000000000000" pitchFamily="2" charset="0"/>
-            </a:endParaRPr>
+            <a:r>
+              <a:rPr lang="en-US" sz="2500" b="1" dirty="0"/>
+              <a:t>Final Recommendation to the Bank</a:t>
+            </a:r>
+          </a:p>
+          <a:p>
+            <a:endParaRPr lang="en-US" sz="2500" b="1" dirty="0"/>
           </a:p>
         </p:txBody>
       </p:sp>
     </p:spTree>
     <p:extLst>
       <p:ext uri="{BB962C8B-B14F-4D97-AF65-F5344CB8AC3E}">
-        <p14:creationId xmlns:p14="http://schemas.microsoft.com/office/powerpoint/2010/main" val="1415891159"/>
+        <p14:creationId xmlns:p14="http://schemas.microsoft.com/office/powerpoint/2010/main" val="3962290945"/>
       </p:ext>
     </p:extLst>
   </p:cSld>
@@ -6072,7 +8461,7 @@
     </p:spTree>
     <p:extLst>
       <p:ext uri="{BB962C8B-B14F-4D97-AF65-F5344CB8AC3E}">
-        <p14:creationId xmlns:p14="http://schemas.microsoft.com/office/powerpoint/2010/main" val="4024359523"/>
+        <p14:creationId xmlns:p14="http://schemas.microsoft.com/office/powerpoint/2010/main" val="1363914964"/>
       </p:ext>
     </p:extLst>
   </p:cSld>
